--- a/_figure/results/rare_gaz.pptx
+++ b/_figure/results/rare_gaz.pptx
@@ -308,7 +308,7 @@
                   <c:v>4.04166666666666</c:v>
                 </c:pt>
                 <c:pt idx="50" formatCode="General">
-                  <c:v>4.125</c:v>
+                  <c:v>4.124999999999999</c:v>
                 </c:pt>
                 <c:pt idx="51" formatCode="General">
                   <c:v>4.20833333333333</c:v>
@@ -326,7 +326,7 @@
                   <c:v>4.54166666666666</c:v>
                 </c:pt>
                 <c:pt idx="56" formatCode="General">
-                  <c:v>4.625</c:v>
+                  <c:v>4.624999999999999</c:v>
                 </c:pt>
                 <c:pt idx="57" formatCode="General">
                   <c:v>4.70833333333333</c:v>
@@ -344,7 +344,7 @@
                   <c:v>5.04166666666666</c:v>
                 </c:pt>
                 <c:pt idx="62" formatCode="General">
-                  <c:v>5.125</c:v>
+                  <c:v>5.124999999999999</c:v>
                 </c:pt>
                 <c:pt idx="63" formatCode="General">
                   <c:v>5.20833333333333</c:v>
@@ -362,7 +362,7 @@
                   <c:v>5.54166666666666</c:v>
                 </c:pt>
                 <c:pt idx="68" formatCode="General">
-                  <c:v>5.625</c:v>
+                  <c:v>5.624999999999999</c:v>
                 </c:pt>
                 <c:pt idx="69" formatCode="General">
                   <c:v>5.70833333333333</c:v>
@@ -380,7 +380,7 @@
                   <c:v>6.04166666666666</c:v>
                 </c:pt>
                 <c:pt idx="74" formatCode="General">
-                  <c:v>6.125</c:v>
+                  <c:v>6.124999999999999</c:v>
                 </c:pt>
                 <c:pt idx="75" formatCode="General">
                   <c:v>6.20833333333333</c:v>
@@ -398,7 +398,7 @@
                   <c:v>6.54166666666666</c:v>
                 </c:pt>
                 <c:pt idx="80" formatCode="General">
-                  <c:v>6.625</c:v>
+                  <c:v>6.624999999999999</c:v>
                 </c:pt>
                 <c:pt idx="81" formatCode="General">
                   <c:v>6.70833333333333</c:v>
@@ -416,7 +416,7 @@
                   <c:v>7.04166666666666</c:v>
                 </c:pt>
                 <c:pt idx="86" formatCode="General">
-                  <c:v>7.125</c:v>
+                  <c:v>7.124999999999999</c:v>
                 </c:pt>
                 <c:pt idx="87" formatCode="General">
                   <c:v>7.20833333333333</c:v>
@@ -434,7 +434,7 @@
                   <c:v>7.54166666666666</c:v>
                 </c:pt>
                 <c:pt idx="92" formatCode="General">
-                  <c:v>7.625</c:v>
+                  <c:v>7.624999999999999</c:v>
                 </c:pt>
                 <c:pt idx="93" formatCode="General">
                   <c:v>7.70833333333333</c:v>
@@ -455,7 +455,7 @@
                   <c:v>8.125</c:v>
                 </c:pt>
                 <c:pt idx="99" formatCode="General">
-                  <c:v>8.20833333333333</c:v>
+                  <c:v>8.208333333333329</c:v>
                 </c:pt>
                 <c:pt idx="100" formatCode="General">
                   <c:v>8.29166666666666</c:v>
@@ -473,7 +473,7 @@
                   <c:v>8.625</c:v>
                 </c:pt>
                 <c:pt idx="105" formatCode="General">
-                  <c:v>8.70833333333333</c:v>
+                  <c:v>8.708333333333329</c:v>
                 </c:pt>
                 <c:pt idx="106" formatCode="General">
                   <c:v>8.79166666666666</c:v>
@@ -491,7 +491,7 @@
                   <c:v>9.125</c:v>
                 </c:pt>
                 <c:pt idx="111" formatCode="General">
-                  <c:v>9.20833333333333</c:v>
+                  <c:v>9.208333333333329</c:v>
                 </c:pt>
                 <c:pt idx="112" formatCode="General">
                   <c:v>9.29166666666666</c:v>
@@ -509,7 +509,7 @@
                   <c:v>9.625</c:v>
                 </c:pt>
                 <c:pt idx="117" formatCode="General">
-                  <c:v>9.70833333333333</c:v>
+                  <c:v>9.708333333333329</c:v>
                 </c:pt>
                 <c:pt idx="118" formatCode="General">
                   <c:v>9.79166666666666</c:v>
@@ -1222,7 +1222,7 @@
                   <c:v>4.04166666666666</c:v>
                 </c:pt>
                 <c:pt idx="50" formatCode="General">
-                  <c:v>4.125</c:v>
+                  <c:v>4.124999999999999</c:v>
                 </c:pt>
                 <c:pt idx="51" formatCode="General">
                   <c:v>4.20833333333333</c:v>
@@ -1240,7 +1240,7 @@
                   <c:v>4.54166666666666</c:v>
                 </c:pt>
                 <c:pt idx="56" formatCode="General">
-                  <c:v>4.625</c:v>
+                  <c:v>4.624999999999999</c:v>
                 </c:pt>
                 <c:pt idx="57" formatCode="General">
                   <c:v>4.70833333333333</c:v>
@@ -1258,7 +1258,7 @@
                   <c:v>5.04166666666666</c:v>
                 </c:pt>
                 <c:pt idx="62" formatCode="General">
-                  <c:v>5.125</c:v>
+                  <c:v>5.124999999999999</c:v>
                 </c:pt>
                 <c:pt idx="63" formatCode="General">
                   <c:v>5.20833333333333</c:v>
@@ -1276,7 +1276,7 @@
                   <c:v>5.54166666666666</c:v>
                 </c:pt>
                 <c:pt idx="68" formatCode="General">
-                  <c:v>5.625</c:v>
+                  <c:v>5.624999999999999</c:v>
                 </c:pt>
                 <c:pt idx="69" formatCode="General">
                   <c:v>5.70833333333333</c:v>
@@ -1294,7 +1294,7 @@
                   <c:v>6.04166666666666</c:v>
                 </c:pt>
                 <c:pt idx="74" formatCode="General">
-                  <c:v>6.125</c:v>
+                  <c:v>6.124999999999999</c:v>
                 </c:pt>
                 <c:pt idx="75" formatCode="General">
                   <c:v>6.20833333333333</c:v>
@@ -1312,7 +1312,7 @@
                   <c:v>6.54166666666666</c:v>
                 </c:pt>
                 <c:pt idx="80" formatCode="General">
-                  <c:v>6.625</c:v>
+                  <c:v>6.624999999999999</c:v>
                 </c:pt>
                 <c:pt idx="81" formatCode="General">
                   <c:v>6.70833333333333</c:v>
@@ -1330,7 +1330,7 @@
                   <c:v>7.04166666666666</c:v>
                 </c:pt>
                 <c:pt idx="86" formatCode="General">
-                  <c:v>7.125</c:v>
+                  <c:v>7.124999999999999</c:v>
                 </c:pt>
                 <c:pt idx="87" formatCode="General">
                   <c:v>7.20833333333333</c:v>
@@ -1348,7 +1348,7 @@
                   <c:v>7.54166666666666</c:v>
                 </c:pt>
                 <c:pt idx="92" formatCode="General">
-                  <c:v>7.625</c:v>
+                  <c:v>7.624999999999999</c:v>
                 </c:pt>
                 <c:pt idx="93" formatCode="General">
                   <c:v>7.70833333333333</c:v>
@@ -1369,7 +1369,7 @@
                   <c:v>8.125</c:v>
                 </c:pt>
                 <c:pt idx="99" formatCode="General">
-                  <c:v>8.20833333333333</c:v>
+                  <c:v>8.208333333333329</c:v>
                 </c:pt>
                 <c:pt idx="100" formatCode="General">
                   <c:v>8.29166666666666</c:v>
@@ -1387,7 +1387,7 @@
                   <c:v>8.625</c:v>
                 </c:pt>
                 <c:pt idx="105" formatCode="General">
-                  <c:v>8.70833333333333</c:v>
+                  <c:v>8.708333333333329</c:v>
                 </c:pt>
                 <c:pt idx="106" formatCode="General">
                   <c:v>8.79166666666666</c:v>
@@ -1405,7 +1405,7 @@
                   <c:v>9.125</c:v>
                 </c:pt>
                 <c:pt idx="111" formatCode="General">
-                  <c:v>9.20833333333333</c:v>
+                  <c:v>9.208333333333329</c:v>
                 </c:pt>
                 <c:pt idx="112" formatCode="General">
                   <c:v>9.29166666666666</c:v>
@@ -1423,7 +1423,7 @@
                   <c:v>9.625</c:v>
                 </c:pt>
                 <c:pt idx="117" formatCode="General">
-                  <c:v>9.70833333333333</c:v>
+                  <c:v>9.708333333333329</c:v>
                 </c:pt>
                 <c:pt idx="118" formatCode="General">
                   <c:v>9.79166666666666</c:v>
@@ -1633,7 +1633,7 @@
                   <c:v>1.95078279795691</c:v>
                 </c:pt>
                 <c:pt idx="39">
-                  <c:v>2.33974308538152</c:v>
+                  <c:v>2.339743085381519</c:v>
                 </c:pt>
                 <c:pt idx="40">
                   <c:v>2.48970341940634</c:v>
@@ -2136,7 +2136,7 @@
                   <c:v>4.04166666666666</c:v>
                 </c:pt>
                 <c:pt idx="50" formatCode="General">
-                  <c:v>4.125</c:v>
+                  <c:v>4.124999999999999</c:v>
                 </c:pt>
                 <c:pt idx="51" formatCode="General">
                   <c:v>4.20833333333333</c:v>
@@ -2154,7 +2154,7 @@
                   <c:v>4.54166666666666</c:v>
                 </c:pt>
                 <c:pt idx="56" formatCode="General">
-                  <c:v>4.625</c:v>
+                  <c:v>4.624999999999999</c:v>
                 </c:pt>
                 <c:pt idx="57" formatCode="General">
                   <c:v>4.70833333333333</c:v>
@@ -2172,7 +2172,7 @@
                   <c:v>5.04166666666666</c:v>
                 </c:pt>
                 <c:pt idx="62" formatCode="General">
-                  <c:v>5.125</c:v>
+                  <c:v>5.124999999999999</c:v>
                 </c:pt>
                 <c:pt idx="63" formatCode="General">
                   <c:v>5.20833333333333</c:v>
@@ -2190,7 +2190,7 @@
                   <c:v>5.54166666666666</c:v>
                 </c:pt>
                 <c:pt idx="68" formatCode="General">
-                  <c:v>5.625</c:v>
+                  <c:v>5.624999999999999</c:v>
                 </c:pt>
                 <c:pt idx="69" formatCode="General">
                   <c:v>5.70833333333333</c:v>
@@ -2208,7 +2208,7 @@
                   <c:v>6.04166666666666</c:v>
                 </c:pt>
                 <c:pt idx="74" formatCode="General">
-                  <c:v>6.125</c:v>
+                  <c:v>6.124999999999999</c:v>
                 </c:pt>
                 <c:pt idx="75" formatCode="General">
                   <c:v>6.20833333333333</c:v>
@@ -2226,7 +2226,7 @@
                   <c:v>6.54166666666666</c:v>
                 </c:pt>
                 <c:pt idx="80" formatCode="General">
-                  <c:v>6.625</c:v>
+                  <c:v>6.624999999999999</c:v>
                 </c:pt>
                 <c:pt idx="81" formatCode="General">
                   <c:v>6.70833333333333</c:v>
@@ -2244,7 +2244,7 @@
                   <c:v>7.04166666666666</c:v>
                 </c:pt>
                 <c:pt idx="86" formatCode="General">
-                  <c:v>7.125</c:v>
+                  <c:v>7.124999999999999</c:v>
                 </c:pt>
                 <c:pt idx="87" formatCode="General">
                   <c:v>7.20833333333333</c:v>
@@ -2262,7 +2262,7 @@
                   <c:v>7.54166666666666</c:v>
                 </c:pt>
                 <c:pt idx="92" formatCode="General">
-                  <c:v>7.625</c:v>
+                  <c:v>7.624999999999999</c:v>
                 </c:pt>
                 <c:pt idx="93" formatCode="General">
                   <c:v>7.70833333333333</c:v>
@@ -2283,7 +2283,7 @@
                   <c:v>8.125</c:v>
                 </c:pt>
                 <c:pt idx="99" formatCode="General">
-                  <c:v>8.20833333333333</c:v>
+                  <c:v>8.208333333333329</c:v>
                 </c:pt>
                 <c:pt idx="100" formatCode="General">
                   <c:v>8.29166666666666</c:v>
@@ -2301,7 +2301,7 @@
                   <c:v>8.625</c:v>
                 </c:pt>
                 <c:pt idx="105" formatCode="General">
-                  <c:v>8.70833333333333</c:v>
+                  <c:v>8.708333333333329</c:v>
                 </c:pt>
                 <c:pt idx="106" formatCode="General">
                   <c:v>8.79166666666666</c:v>
@@ -2319,7 +2319,7 @@
                   <c:v>9.125</c:v>
                 </c:pt>
                 <c:pt idx="111" formatCode="General">
-                  <c:v>9.20833333333333</c:v>
+                  <c:v>9.208333333333329</c:v>
                 </c:pt>
                 <c:pt idx="112" formatCode="General">
                   <c:v>9.29166666666666</c:v>
@@ -2337,7 +2337,7 @@
                   <c:v>9.625</c:v>
                 </c:pt>
                 <c:pt idx="117" formatCode="General">
-                  <c:v>9.70833333333333</c:v>
+                  <c:v>9.708333333333329</c:v>
                 </c:pt>
                 <c:pt idx="118" formatCode="General">
                   <c:v>9.79166666666666</c:v>
@@ -2529,7 +2529,7 @@
                   <c:v>0.0</c:v>
                 </c:pt>
                 <c:pt idx="33" formatCode="0.00E+00">
-                  <c:v>8.80519990698671E-7</c:v>
+                  <c:v>8.80519990698672E-7</c:v>
                 </c:pt>
                 <c:pt idx="34" formatCode="0.00E+00">
                   <c:v>0.000141666624224085</c:v>
@@ -2580,7 +2580,7 @@
                   <c:v>1.33327353472702</c:v>
                 </c:pt>
                 <c:pt idx="50">
-                  <c:v>1.20656429840517</c:v>
+                  <c:v>1.206564298405169</c:v>
                 </c:pt>
                 <c:pt idx="51">
                   <c:v>1.09775029491905</c:v>
@@ -3050,7 +3050,7 @@
                   <c:v>4.04166666666666</c:v>
                 </c:pt>
                 <c:pt idx="50" formatCode="General">
-                  <c:v>4.125</c:v>
+                  <c:v>4.124999999999999</c:v>
                 </c:pt>
                 <c:pt idx="51" formatCode="General">
                   <c:v>4.20833333333333</c:v>
@@ -3068,7 +3068,7 @@
                   <c:v>4.54166666666666</c:v>
                 </c:pt>
                 <c:pt idx="56" formatCode="General">
-                  <c:v>4.625</c:v>
+                  <c:v>4.624999999999999</c:v>
                 </c:pt>
                 <c:pt idx="57" formatCode="General">
                   <c:v>4.70833333333333</c:v>
@@ -3086,7 +3086,7 @@
                   <c:v>5.04166666666666</c:v>
                 </c:pt>
                 <c:pt idx="62" formatCode="General">
-                  <c:v>5.125</c:v>
+                  <c:v>5.124999999999999</c:v>
                 </c:pt>
                 <c:pt idx="63" formatCode="General">
                   <c:v>5.20833333333333</c:v>
@@ -3104,7 +3104,7 @@
                   <c:v>5.54166666666666</c:v>
                 </c:pt>
                 <c:pt idx="68" formatCode="General">
-                  <c:v>5.625</c:v>
+                  <c:v>5.624999999999999</c:v>
                 </c:pt>
                 <c:pt idx="69" formatCode="General">
                   <c:v>5.70833333333333</c:v>
@@ -3122,7 +3122,7 @@
                   <c:v>6.04166666666666</c:v>
                 </c:pt>
                 <c:pt idx="74" formatCode="General">
-                  <c:v>6.125</c:v>
+                  <c:v>6.124999999999999</c:v>
                 </c:pt>
                 <c:pt idx="75" formatCode="General">
                   <c:v>6.20833333333333</c:v>
@@ -3140,7 +3140,7 @@
                   <c:v>6.54166666666666</c:v>
                 </c:pt>
                 <c:pt idx="80" formatCode="General">
-                  <c:v>6.625</c:v>
+                  <c:v>6.624999999999999</c:v>
                 </c:pt>
                 <c:pt idx="81" formatCode="General">
                   <c:v>6.70833333333333</c:v>
@@ -3158,7 +3158,7 @@
                   <c:v>7.04166666666666</c:v>
                 </c:pt>
                 <c:pt idx="86" formatCode="General">
-                  <c:v>7.125</c:v>
+                  <c:v>7.124999999999999</c:v>
                 </c:pt>
                 <c:pt idx="87" formatCode="General">
                   <c:v>7.20833333333333</c:v>
@@ -3176,7 +3176,7 @@
                   <c:v>7.54166666666666</c:v>
                 </c:pt>
                 <c:pt idx="92" formatCode="General">
-                  <c:v>7.625</c:v>
+                  <c:v>7.624999999999999</c:v>
                 </c:pt>
                 <c:pt idx="93" formatCode="General">
                   <c:v>7.70833333333333</c:v>
@@ -3197,7 +3197,7 @@
                   <c:v>8.125</c:v>
                 </c:pt>
                 <c:pt idx="99" formatCode="General">
-                  <c:v>8.20833333333333</c:v>
+                  <c:v>8.208333333333329</c:v>
                 </c:pt>
                 <c:pt idx="100" formatCode="General">
                   <c:v>8.29166666666666</c:v>
@@ -3215,7 +3215,7 @@
                   <c:v>8.625</c:v>
                 </c:pt>
                 <c:pt idx="105" formatCode="General">
-                  <c:v>8.70833333333333</c:v>
+                  <c:v>8.708333333333329</c:v>
                 </c:pt>
                 <c:pt idx="106" formatCode="General">
                   <c:v>8.79166666666666</c:v>
@@ -3233,7 +3233,7 @@
                   <c:v>9.125</c:v>
                 </c:pt>
                 <c:pt idx="111" formatCode="General">
-                  <c:v>9.20833333333333</c:v>
+                  <c:v>9.208333333333329</c:v>
                 </c:pt>
                 <c:pt idx="112" formatCode="General">
                   <c:v>9.29166666666666</c:v>
@@ -3251,7 +3251,7 @@
                   <c:v>9.625</c:v>
                 </c:pt>
                 <c:pt idx="117" formatCode="General">
-                  <c:v>9.70833333333333</c:v>
+                  <c:v>9.708333333333329</c:v>
                 </c:pt>
                 <c:pt idx="118" formatCode="General">
                   <c:v>9.79166666666666</c:v>
@@ -3482,7 +3482,7 @@
                   <c:v>2.45459435413639</c:v>
                 </c:pt>
                 <c:pt idx="46">
-                  <c:v>2.25066517384158</c:v>
+                  <c:v>2.250665173841579</c:v>
                 </c:pt>
                 <c:pt idx="47">
                   <c:v>2.05128285978041</c:v>
@@ -3965,7 +3965,7 @@
                   <c:v>4.04166666666666</c:v>
                 </c:pt>
                 <c:pt idx="50" formatCode="General">
-                  <c:v>4.125</c:v>
+                  <c:v>4.124999999999999</c:v>
                 </c:pt>
                 <c:pt idx="51" formatCode="General">
                   <c:v>4.20833333333333</c:v>
@@ -3983,7 +3983,7 @@
                   <c:v>4.54166666666666</c:v>
                 </c:pt>
                 <c:pt idx="56" formatCode="General">
-                  <c:v>4.625</c:v>
+                  <c:v>4.624999999999999</c:v>
                 </c:pt>
                 <c:pt idx="57" formatCode="General">
                   <c:v>4.70833333333333</c:v>
@@ -4001,7 +4001,7 @@
                   <c:v>5.04166666666666</c:v>
                 </c:pt>
                 <c:pt idx="62" formatCode="General">
-                  <c:v>5.125</c:v>
+                  <c:v>5.124999999999999</c:v>
                 </c:pt>
                 <c:pt idx="63" formatCode="General">
                   <c:v>5.20833333333333</c:v>
@@ -4019,7 +4019,7 @@
                   <c:v>5.54166666666666</c:v>
                 </c:pt>
                 <c:pt idx="68" formatCode="General">
-                  <c:v>5.625</c:v>
+                  <c:v>5.624999999999999</c:v>
                 </c:pt>
                 <c:pt idx="69" formatCode="General">
                   <c:v>5.70833333333333</c:v>
@@ -4037,7 +4037,7 @@
                   <c:v>6.04166666666666</c:v>
                 </c:pt>
                 <c:pt idx="74" formatCode="General">
-                  <c:v>6.125</c:v>
+                  <c:v>6.124999999999999</c:v>
                 </c:pt>
                 <c:pt idx="75" formatCode="General">
                   <c:v>6.20833333333333</c:v>
@@ -4055,7 +4055,7 @@
                   <c:v>6.54166666666666</c:v>
                 </c:pt>
                 <c:pt idx="80" formatCode="General">
-                  <c:v>6.625</c:v>
+                  <c:v>6.624999999999999</c:v>
                 </c:pt>
                 <c:pt idx="81" formatCode="General">
                   <c:v>6.70833333333333</c:v>
@@ -4073,7 +4073,7 @@
                   <c:v>7.04166666666666</c:v>
                 </c:pt>
                 <c:pt idx="86" formatCode="General">
-                  <c:v>7.125</c:v>
+                  <c:v>7.124999999999999</c:v>
                 </c:pt>
                 <c:pt idx="87" formatCode="General">
                   <c:v>7.20833333333333</c:v>
@@ -4091,7 +4091,7 @@
                   <c:v>7.54166666666666</c:v>
                 </c:pt>
                 <c:pt idx="92" formatCode="General">
-                  <c:v>7.625</c:v>
+                  <c:v>7.624999999999999</c:v>
                 </c:pt>
                 <c:pt idx="93" formatCode="General">
                   <c:v>7.70833333333333</c:v>
@@ -4112,7 +4112,7 @@
                   <c:v>8.125</c:v>
                 </c:pt>
                 <c:pt idx="99" formatCode="General">
-                  <c:v>8.20833333333333</c:v>
+                  <c:v>8.208333333333329</c:v>
                 </c:pt>
                 <c:pt idx="100" formatCode="General">
                   <c:v>8.29166666666666</c:v>
@@ -4130,7 +4130,7 @@
                   <c:v>8.625</c:v>
                 </c:pt>
                 <c:pt idx="105" formatCode="General">
-                  <c:v>8.70833333333333</c:v>
+                  <c:v>8.708333333333329</c:v>
                 </c:pt>
                 <c:pt idx="106" formatCode="General">
                   <c:v>8.79166666666666</c:v>
@@ -4148,7 +4148,7 @@
                   <c:v>9.125</c:v>
                 </c:pt>
                 <c:pt idx="111" formatCode="General">
-                  <c:v>9.20833333333333</c:v>
+                  <c:v>9.208333333333329</c:v>
                 </c:pt>
                 <c:pt idx="112" formatCode="General">
                   <c:v>9.29166666666666</c:v>
@@ -4166,7 +4166,7 @@
                   <c:v>9.625</c:v>
                 </c:pt>
                 <c:pt idx="117" formatCode="General">
-                  <c:v>9.70833333333333</c:v>
+                  <c:v>9.708333333333329</c:v>
                 </c:pt>
                 <c:pt idx="118" formatCode="General">
                   <c:v>9.79166666666666</c:v>
@@ -4622,7 +4622,7 @@
                   <c:v>1.00631418266546</c:v>
                 </c:pt>
                 <c:pt idx="121">
-                  <c:v>1.00573029145916</c:v>
+                  <c:v>1.005730291459159</c:v>
                 </c:pt>
                 <c:pt idx="122">
                   <c:v>1.0052071179065</c:v>
@@ -4637,7 +4637,7 @@
                   <c:v>1.00256662229484</c:v>
                 </c:pt>
                 <c:pt idx="126">
-                  <c:v>1.00163925323463</c:v>
+                  <c:v>1.001639253234629</c:v>
                 </c:pt>
                 <c:pt idx="127">
                   <c:v>1.00121543075596</c:v>
@@ -4880,7 +4880,7 @@
                   <c:v>4.04166666666666</c:v>
                 </c:pt>
                 <c:pt idx="50" formatCode="General">
-                  <c:v>4.125</c:v>
+                  <c:v>4.124999999999999</c:v>
                 </c:pt>
                 <c:pt idx="51" formatCode="General">
                   <c:v>4.20833333333333</c:v>
@@ -4898,7 +4898,7 @@
                   <c:v>4.54166666666666</c:v>
                 </c:pt>
                 <c:pt idx="56" formatCode="General">
-                  <c:v>4.625</c:v>
+                  <c:v>4.624999999999999</c:v>
                 </c:pt>
                 <c:pt idx="57" formatCode="General">
                   <c:v>4.70833333333333</c:v>
@@ -4916,7 +4916,7 @@
                   <c:v>5.04166666666666</c:v>
                 </c:pt>
                 <c:pt idx="62" formatCode="General">
-                  <c:v>5.125</c:v>
+                  <c:v>5.124999999999999</c:v>
                 </c:pt>
                 <c:pt idx="63" formatCode="General">
                   <c:v>5.20833333333333</c:v>
@@ -4934,7 +4934,7 @@
                   <c:v>5.54166666666666</c:v>
                 </c:pt>
                 <c:pt idx="68" formatCode="General">
-                  <c:v>5.625</c:v>
+                  <c:v>5.624999999999999</c:v>
                 </c:pt>
                 <c:pt idx="69" formatCode="General">
                   <c:v>5.70833333333333</c:v>
@@ -4952,7 +4952,7 @@
                   <c:v>6.04166666666666</c:v>
                 </c:pt>
                 <c:pt idx="74" formatCode="General">
-                  <c:v>6.125</c:v>
+                  <c:v>6.124999999999999</c:v>
                 </c:pt>
                 <c:pt idx="75" formatCode="General">
                   <c:v>6.20833333333333</c:v>
@@ -4970,7 +4970,7 @@
                   <c:v>6.54166666666666</c:v>
                 </c:pt>
                 <c:pt idx="80" formatCode="General">
-                  <c:v>6.625</c:v>
+                  <c:v>6.624999999999999</c:v>
                 </c:pt>
                 <c:pt idx="81" formatCode="General">
                   <c:v>6.70833333333333</c:v>
@@ -4988,7 +4988,7 @@
                   <c:v>7.04166666666666</c:v>
                 </c:pt>
                 <c:pt idx="86" formatCode="General">
-                  <c:v>7.125</c:v>
+                  <c:v>7.124999999999999</c:v>
                 </c:pt>
                 <c:pt idx="87" formatCode="General">
                   <c:v>7.20833333333333</c:v>
@@ -5006,7 +5006,7 @@
                   <c:v>7.54166666666666</c:v>
                 </c:pt>
                 <c:pt idx="92" formatCode="General">
-                  <c:v>7.625</c:v>
+                  <c:v>7.624999999999999</c:v>
                 </c:pt>
                 <c:pt idx="93" formatCode="General">
                   <c:v>7.70833333333333</c:v>
@@ -5027,7 +5027,7 @@
                   <c:v>8.125</c:v>
                 </c:pt>
                 <c:pt idx="99" formatCode="General">
-                  <c:v>8.20833333333333</c:v>
+                  <c:v>8.208333333333329</c:v>
                 </c:pt>
                 <c:pt idx="100" formatCode="General">
                   <c:v>8.29166666666666</c:v>
@@ -5045,7 +5045,7 @@
                   <c:v>8.625</c:v>
                 </c:pt>
                 <c:pt idx="105" formatCode="General">
-                  <c:v>8.70833333333333</c:v>
+                  <c:v>8.708333333333329</c:v>
                 </c:pt>
                 <c:pt idx="106" formatCode="General">
                   <c:v>8.79166666666666</c:v>
@@ -5063,7 +5063,7 @@
                   <c:v>9.125</c:v>
                 </c:pt>
                 <c:pt idx="111" formatCode="General">
-                  <c:v>9.20833333333333</c:v>
+                  <c:v>9.208333333333329</c:v>
                 </c:pt>
                 <c:pt idx="112" formatCode="General">
                   <c:v>9.29166666666666</c:v>
@@ -5081,7 +5081,7 @@
                   <c:v>9.625</c:v>
                 </c:pt>
                 <c:pt idx="117" formatCode="General">
-                  <c:v>9.70833333333333</c:v>
+                  <c:v>9.708333333333329</c:v>
                 </c:pt>
                 <c:pt idx="118" formatCode="General">
                   <c:v>9.79166666666666</c:v>
@@ -5291,7 +5291,7 @@
                   <c:v>1.94746910088221</c:v>
                 </c:pt>
                 <c:pt idx="39">
-                  <c:v>2.3044914035291</c:v>
+                  <c:v>2.304491403529099</c:v>
                 </c:pt>
                 <c:pt idx="40">
                   <c:v>2.42963801007748</c:v>
@@ -5447,7 +5447,7 @@
                   <c:v>1.00840071427089</c:v>
                 </c:pt>
                 <c:pt idx="91">
-                  <c:v>1.00752424291914</c:v>
+                  <c:v>1.007524242919139</c:v>
                 </c:pt>
                 <c:pt idx="92">
                   <c:v>1.0055622792027</c:v>
@@ -5795,7 +5795,7 @@
                   <c:v>4.04166666666666</c:v>
                 </c:pt>
                 <c:pt idx="50" formatCode="General">
-                  <c:v>4.125</c:v>
+                  <c:v>4.124999999999999</c:v>
                 </c:pt>
                 <c:pt idx="51" formatCode="General">
                   <c:v>4.20833333333333</c:v>
@@ -5813,7 +5813,7 @@
                   <c:v>4.54166666666666</c:v>
                 </c:pt>
                 <c:pt idx="56" formatCode="General">
-                  <c:v>4.625</c:v>
+                  <c:v>4.624999999999999</c:v>
                 </c:pt>
                 <c:pt idx="57" formatCode="General">
                   <c:v>4.70833333333333</c:v>
@@ -5831,7 +5831,7 @@
                   <c:v>5.04166666666666</c:v>
                 </c:pt>
                 <c:pt idx="62" formatCode="General">
-                  <c:v>5.125</c:v>
+                  <c:v>5.124999999999999</c:v>
                 </c:pt>
                 <c:pt idx="63" formatCode="General">
                   <c:v>5.20833333333333</c:v>
@@ -5849,7 +5849,7 @@
                   <c:v>5.54166666666666</c:v>
                 </c:pt>
                 <c:pt idx="68" formatCode="General">
-                  <c:v>5.625</c:v>
+                  <c:v>5.624999999999999</c:v>
                 </c:pt>
                 <c:pt idx="69" formatCode="General">
                   <c:v>5.70833333333333</c:v>
@@ -5867,7 +5867,7 @@
                   <c:v>6.04166666666666</c:v>
                 </c:pt>
                 <c:pt idx="74" formatCode="General">
-                  <c:v>6.125</c:v>
+                  <c:v>6.124999999999999</c:v>
                 </c:pt>
                 <c:pt idx="75" formatCode="General">
                   <c:v>6.20833333333333</c:v>
@@ -5885,7 +5885,7 @@
                   <c:v>6.54166666666666</c:v>
                 </c:pt>
                 <c:pt idx="80" formatCode="General">
-                  <c:v>6.625</c:v>
+                  <c:v>6.624999999999999</c:v>
                 </c:pt>
                 <c:pt idx="81" formatCode="General">
                   <c:v>6.70833333333333</c:v>
@@ -5903,7 +5903,7 @@
                   <c:v>7.04166666666666</c:v>
                 </c:pt>
                 <c:pt idx="86" formatCode="General">
-                  <c:v>7.125</c:v>
+                  <c:v>7.124999999999999</c:v>
                 </c:pt>
                 <c:pt idx="87" formatCode="General">
                   <c:v>7.20833333333333</c:v>
@@ -5921,7 +5921,7 @@
                   <c:v>7.54166666666666</c:v>
                 </c:pt>
                 <c:pt idx="92" formatCode="General">
-                  <c:v>7.625</c:v>
+                  <c:v>7.624999999999999</c:v>
                 </c:pt>
                 <c:pt idx="93" formatCode="General">
                   <c:v>7.70833333333333</c:v>
@@ -5942,7 +5942,7 @@
                   <c:v>8.125</c:v>
                 </c:pt>
                 <c:pt idx="99" formatCode="General">
-                  <c:v>8.20833333333333</c:v>
+                  <c:v>8.208333333333329</c:v>
                 </c:pt>
                 <c:pt idx="100" formatCode="General">
                   <c:v>8.29166666666666</c:v>
@@ -5960,7 +5960,7 @@
                   <c:v>8.625</c:v>
                 </c:pt>
                 <c:pt idx="105" formatCode="General">
-                  <c:v>8.70833333333333</c:v>
+                  <c:v>8.708333333333329</c:v>
                 </c:pt>
                 <c:pt idx="106" formatCode="General">
                   <c:v>8.79166666666666</c:v>
@@ -5978,7 +5978,7 @@
                   <c:v>9.125</c:v>
                 </c:pt>
                 <c:pt idx="111" formatCode="General">
-                  <c:v>9.20833333333333</c:v>
+                  <c:v>9.208333333333329</c:v>
                 </c:pt>
                 <c:pt idx="112" formatCode="General">
                   <c:v>9.29166666666666</c:v>
@@ -5996,7 +5996,7 @@
                   <c:v>9.625</c:v>
                 </c:pt>
                 <c:pt idx="117" formatCode="General">
-                  <c:v>9.70833333333333</c:v>
+                  <c:v>9.708333333333329</c:v>
                 </c:pt>
                 <c:pt idx="118" formatCode="General">
                   <c:v>9.79166666666666</c:v>
@@ -6464,7 +6464,7 @@
                   <c:v>1.01064536055959</c:v>
                 </c:pt>
                 <c:pt idx="125">
-                  <c:v>1.00972477589549</c:v>
+                  <c:v>1.009724775895489</c:v>
                 </c:pt>
                 <c:pt idx="126">
                   <c:v>1.00860049006002</c:v>
@@ -6710,7 +6710,7 @@
                   <c:v>4.04166666666666</c:v>
                 </c:pt>
                 <c:pt idx="50" formatCode="General">
-                  <c:v>4.125</c:v>
+                  <c:v>4.124999999999999</c:v>
                 </c:pt>
                 <c:pt idx="51" formatCode="General">
                   <c:v>4.20833333333333</c:v>
@@ -6728,7 +6728,7 @@
                   <c:v>4.54166666666666</c:v>
                 </c:pt>
                 <c:pt idx="56" formatCode="General">
-                  <c:v>4.625</c:v>
+                  <c:v>4.624999999999999</c:v>
                 </c:pt>
                 <c:pt idx="57" formatCode="General">
                   <c:v>4.70833333333333</c:v>
@@ -6746,7 +6746,7 @@
                   <c:v>5.04166666666666</c:v>
                 </c:pt>
                 <c:pt idx="62" formatCode="General">
-                  <c:v>5.125</c:v>
+                  <c:v>5.124999999999999</c:v>
                 </c:pt>
                 <c:pt idx="63" formatCode="General">
                   <c:v>5.20833333333333</c:v>
@@ -6764,7 +6764,7 @@
                   <c:v>5.54166666666666</c:v>
                 </c:pt>
                 <c:pt idx="68" formatCode="General">
-                  <c:v>5.625</c:v>
+                  <c:v>5.624999999999999</c:v>
                 </c:pt>
                 <c:pt idx="69" formatCode="General">
                   <c:v>5.70833333333333</c:v>
@@ -6782,7 +6782,7 @@
                   <c:v>6.04166666666666</c:v>
                 </c:pt>
                 <c:pt idx="74" formatCode="General">
-                  <c:v>6.125</c:v>
+                  <c:v>6.124999999999999</c:v>
                 </c:pt>
                 <c:pt idx="75" formatCode="General">
                   <c:v>6.20833333333333</c:v>
@@ -6800,7 +6800,7 @@
                   <c:v>6.54166666666666</c:v>
                 </c:pt>
                 <c:pt idx="80" formatCode="General">
-                  <c:v>6.625</c:v>
+                  <c:v>6.624999999999999</c:v>
                 </c:pt>
                 <c:pt idx="81" formatCode="General">
                   <c:v>6.70833333333333</c:v>
@@ -6818,7 +6818,7 @@
                   <c:v>7.04166666666666</c:v>
                 </c:pt>
                 <c:pt idx="86" formatCode="General">
-                  <c:v>7.125</c:v>
+                  <c:v>7.124999999999999</c:v>
                 </c:pt>
                 <c:pt idx="87" formatCode="General">
                   <c:v>7.20833333333333</c:v>
@@ -6836,7 +6836,7 @@
                   <c:v>7.54166666666666</c:v>
                 </c:pt>
                 <c:pt idx="92" formatCode="General">
-                  <c:v>7.625</c:v>
+                  <c:v>7.624999999999999</c:v>
                 </c:pt>
                 <c:pt idx="93" formatCode="General">
                   <c:v>7.70833333333333</c:v>
@@ -6857,7 +6857,7 @@
                   <c:v>8.125</c:v>
                 </c:pt>
                 <c:pt idx="99" formatCode="General">
-                  <c:v>8.20833333333333</c:v>
+                  <c:v>8.208333333333329</c:v>
                 </c:pt>
                 <c:pt idx="100" formatCode="General">
                   <c:v>8.29166666666666</c:v>
@@ -6875,7 +6875,7 @@
                   <c:v>8.625</c:v>
                 </c:pt>
                 <c:pt idx="105" formatCode="General">
-                  <c:v>8.70833333333333</c:v>
+                  <c:v>8.708333333333329</c:v>
                 </c:pt>
                 <c:pt idx="106" formatCode="General">
                   <c:v>8.79166666666666</c:v>
@@ -6893,7 +6893,7 @@
                   <c:v>9.125</c:v>
                 </c:pt>
                 <c:pt idx="111" formatCode="General">
-                  <c:v>9.20833333333333</c:v>
+                  <c:v>9.208333333333329</c:v>
                 </c:pt>
                 <c:pt idx="112" formatCode="General">
                   <c:v>9.29166666666666</c:v>
@@ -6911,7 +6911,7 @@
                   <c:v>9.625</c:v>
                 </c:pt>
                 <c:pt idx="117" formatCode="General">
-                  <c:v>9.70833333333333</c:v>
+                  <c:v>9.708333333333329</c:v>
                 </c:pt>
                 <c:pt idx="118" formatCode="General">
                   <c:v>9.79166666666666</c:v>
@@ -7139,7 +7139,7 @@
                   <c:v>2.48884354120287</c:v>
                 </c:pt>
                 <c:pt idx="45">
-                  <c:v>2.39430631325313</c:v>
+                  <c:v>2.394306313253129</c:v>
                 </c:pt>
                 <c:pt idx="46">
                   <c:v>2.19721023761031</c:v>
@@ -7627,7 +7627,7 @@
                   <c:v>4.04166666666666</c:v>
                 </c:pt>
                 <c:pt idx="50" formatCode="General">
-                  <c:v>4.125</c:v>
+                  <c:v>4.124999999999999</c:v>
                 </c:pt>
                 <c:pt idx="51" formatCode="General">
                   <c:v>4.20833333333333</c:v>
@@ -7645,7 +7645,7 @@
                   <c:v>4.54166666666666</c:v>
                 </c:pt>
                 <c:pt idx="56" formatCode="General">
-                  <c:v>4.625</c:v>
+                  <c:v>4.624999999999999</c:v>
                 </c:pt>
                 <c:pt idx="57" formatCode="General">
                   <c:v>4.70833333333333</c:v>
@@ -7663,7 +7663,7 @@
                   <c:v>5.04166666666666</c:v>
                 </c:pt>
                 <c:pt idx="62" formatCode="General">
-                  <c:v>5.125</c:v>
+                  <c:v>5.124999999999999</c:v>
                 </c:pt>
                 <c:pt idx="63" formatCode="General">
                   <c:v>5.20833333333333</c:v>
@@ -7681,7 +7681,7 @@
                   <c:v>5.54166666666666</c:v>
                 </c:pt>
                 <c:pt idx="68" formatCode="General">
-                  <c:v>5.625</c:v>
+                  <c:v>5.624999999999999</c:v>
                 </c:pt>
                 <c:pt idx="69" formatCode="General">
                   <c:v>5.70833333333333</c:v>
@@ -7699,7 +7699,7 @@
                   <c:v>6.04166666666666</c:v>
                 </c:pt>
                 <c:pt idx="74" formatCode="General">
-                  <c:v>6.125</c:v>
+                  <c:v>6.124999999999999</c:v>
                 </c:pt>
                 <c:pt idx="75" formatCode="General">
                   <c:v>6.20833333333333</c:v>
@@ -7717,7 +7717,7 @@
                   <c:v>6.54166666666666</c:v>
                 </c:pt>
                 <c:pt idx="80" formatCode="General">
-                  <c:v>6.625</c:v>
+                  <c:v>6.624999999999999</c:v>
                 </c:pt>
                 <c:pt idx="81" formatCode="General">
                   <c:v>6.70833333333333</c:v>
@@ -7735,7 +7735,7 @@
                   <c:v>7.04166666666666</c:v>
                 </c:pt>
                 <c:pt idx="86" formatCode="General">
-                  <c:v>7.125</c:v>
+                  <c:v>7.124999999999999</c:v>
                 </c:pt>
                 <c:pt idx="87" formatCode="General">
                   <c:v>7.20833333333333</c:v>
@@ -7753,7 +7753,7 @@
                   <c:v>7.54166666666666</c:v>
                 </c:pt>
                 <c:pt idx="92" formatCode="General">
-                  <c:v>7.625</c:v>
+                  <c:v>7.624999999999999</c:v>
                 </c:pt>
                 <c:pt idx="93" formatCode="General">
                   <c:v>7.70833333333333</c:v>
@@ -7774,7 +7774,7 @@
                   <c:v>8.125</c:v>
                 </c:pt>
                 <c:pt idx="99" formatCode="General">
-                  <c:v>8.20833333333333</c:v>
+                  <c:v>8.208333333333329</c:v>
                 </c:pt>
                 <c:pt idx="100" formatCode="General">
                   <c:v>8.29166666666666</c:v>
@@ -7792,7 +7792,7 @@
                   <c:v>8.625</c:v>
                 </c:pt>
                 <c:pt idx="105" formatCode="General">
-                  <c:v>8.70833333333333</c:v>
+                  <c:v>8.708333333333329</c:v>
                 </c:pt>
                 <c:pt idx="106" formatCode="General">
                   <c:v>8.79166666666666</c:v>
@@ -7810,7 +7810,7 @@
                   <c:v>9.125</c:v>
                 </c:pt>
                 <c:pt idx="111" formatCode="General">
-                  <c:v>9.20833333333333</c:v>
+                  <c:v>9.208333333333329</c:v>
                 </c:pt>
                 <c:pt idx="112" formatCode="General">
                   <c:v>9.29166666666666</c:v>
@@ -7828,7 +7828,7 @@
                   <c:v>9.625</c:v>
                 </c:pt>
                 <c:pt idx="117" formatCode="General">
-                  <c:v>9.70833333333333</c:v>
+                  <c:v>9.708333333333329</c:v>
                 </c:pt>
                 <c:pt idx="118" formatCode="General">
                   <c:v>9.79166666666666</c:v>
@@ -8038,7 +8038,7 @@
                   <c:v>2.07059780121437</c:v>
                 </c:pt>
                 <c:pt idx="39">
-                  <c:v>1.92717935775485</c:v>
+                  <c:v>1.927179357754849</c:v>
                 </c:pt>
                 <c:pt idx="40">
                   <c:v>1.76819726767961</c:v>
@@ -8544,7 +8544,7 @@
                   <c:v>4.04166666666666</c:v>
                 </c:pt>
                 <c:pt idx="50" formatCode="General">
-                  <c:v>4.125</c:v>
+                  <c:v>4.124999999999999</c:v>
                 </c:pt>
                 <c:pt idx="51" formatCode="General">
                   <c:v>4.20833333333333</c:v>
@@ -8562,7 +8562,7 @@
                   <c:v>4.54166666666666</c:v>
                 </c:pt>
                 <c:pt idx="56" formatCode="General">
-                  <c:v>4.625</c:v>
+                  <c:v>4.624999999999999</c:v>
                 </c:pt>
                 <c:pt idx="57" formatCode="General">
                   <c:v>4.70833333333333</c:v>
@@ -8580,7 +8580,7 @@
                   <c:v>5.04166666666666</c:v>
                 </c:pt>
                 <c:pt idx="62" formatCode="General">
-                  <c:v>5.125</c:v>
+                  <c:v>5.124999999999999</c:v>
                 </c:pt>
                 <c:pt idx="63" formatCode="General">
                   <c:v>5.20833333333333</c:v>
@@ -8598,7 +8598,7 @@
                   <c:v>5.54166666666666</c:v>
                 </c:pt>
                 <c:pt idx="68" formatCode="General">
-                  <c:v>5.625</c:v>
+                  <c:v>5.624999999999999</c:v>
                 </c:pt>
                 <c:pt idx="69" formatCode="General">
                   <c:v>5.70833333333333</c:v>
@@ -8616,7 +8616,7 @@
                   <c:v>6.04166666666666</c:v>
                 </c:pt>
                 <c:pt idx="74" formatCode="General">
-                  <c:v>6.125</c:v>
+                  <c:v>6.124999999999999</c:v>
                 </c:pt>
                 <c:pt idx="75" formatCode="General">
                   <c:v>6.20833333333333</c:v>
@@ -8634,7 +8634,7 @@
                   <c:v>6.54166666666666</c:v>
                 </c:pt>
                 <c:pt idx="80" formatCode="General">
-                  <c:v>6.625</c:v>
+                  <c:v>6.624999999999999</c:v>
                 </c:pt>
                 <c:pt idx="81" formatCode="General">
                   <c:v>6.70833333333333</c:v>
@@ -8652,7 +8652,7 @@
                   <c:v>7.04166666666666</c:v>
                 </c:pt>
                 <c:pt idx="86" formatCode="General">
-                  <c:v>7.125</c:v>
+                  <c:v>7.124999999999999</c:v>
                 </c:pt>
                 <c:pt idx="87" formatCode="General">
                   <c:v>7.20833333333333</c:v>
@@ -8670,7 +8670,7 @@
                   <c:v>7.54166666666666</c:v>
                 </c:pt>
                 <c:pt idx="92" formatCode="General">
-                  <c:v>7.625</c:v>
+                  <c:v>7.624999999999999</c:v>
                 </c:pt>
                 <c:pt idx="93" formatCode="General">
                   <c:v>7.70833333333333</c:v>
@@ -8691,7 +8691,7 @@
                   <c:v>8.125</c:v>
                 </c:pt>
                 <c:pt idx="99" formatCode="General">
-                  <c:v>8.20833333333333</c:v>
+                  <c:v>8.208333333333329</c:v>
                 </c:pt>
                 <c:pt idx="100" formatCode="General">
                   <c:v>8.29166666666666</c:v>
@@ -8709,7 +8709,7 @@
                   <c:v>8.625</c:v>
                 </c:pt>
                 <c:pt idx="105" formatCode="General">
-                  <c:v>8.70833333333333</c:v>
+                  <c:v>8.708333333333329</c:v>
                 </c:pt>
                 <c:pt idx="106" formatCode="General">
                   <c:v>8.79166666666666</c:v>
@@ -8727,7 +8727,7 @@
                   <c:v>9.125</c:v>
                 </c:pt>
                 <c:pt idx="111" formatCode="General">
-                  <c:v>9.20833333333333</c:v>
+                  <c:v>9.208333333333329</c:v>
                 </c:pt>
                 <c:pt idx="112" formatCode="General">
                   <c:v>9.29166666666666</c:v>
@@ -8745,7 +8745,7 @@
                   <c:v>9.625</c:v>
                 </c:pt>
                 <c:pt idx="117" formatCode="General">
-                  <c:v>9.70833333333333</c:v>
+                  <c:v>9.708333333333329</c:v>
                 </c:pt>
                 <c:pt idx="118" formatCode="General">
                   <c:v>9.79166666666666</c:v>
@@ -9084,7 +9084,7 @@
                   <c:v>1.0225774337888</c:v>
                 </c:pt>
                 <c:pt idx="82">
-                  <c:v>1.01733925769796</c:v>
+                  <c:v>1.017339257697959</c:v>
                 </c:pt>
                 <c:pt idx="83">
                   <c:v>1.01263049399378</c:v>
@@ -9114,7 +9114,7 @@
                   <c:v>1.00620258758001</c:v>
                 </c:pt>
                 <c:pt idx="92">
-                  <c:v>1.00469935570746</c:v>
+                  <c:v>1.004699355707459</c:v>
                 </c:pt>
                 <c:pt idx="93">
                   <c:v>1.00404420484514</c:v>
@@ -9123,7 +9123,7 @@
                   <c:v>1.00158317499559</c:v>
                 </c:pt>
                 <c:pt idx="95">
-                  <c:v>1.00042665845447</c:v>
+                  <c:v>1.000426658454469</c:v>
                 </c:pt>
                 <c:pt idx="96">
                   <c:v>0.99751476765469</c:v>
@@ -9228,7 +9228,7 @@
                   <c:v>1.00233571245733</c:v>
                 </c:pt>
                 <c:pt idx="130">
-                  <c:v>1.00156474746718</c:v>
+                  <c:v>1.001564747467179</c:v>
                 </c:pt>
                 <c:pt idx="131">
                   <c:v>1.00009589285125</c:v>
@@ -9461,7 +9461,7 @@
                   <c:v>4.04166666666666</c:v>
                 </c:pt>
                 <c:pt idx="50" formatCode="General">
-                  <c:v>4.125</c:v>
+                  <c:v>4.124999999999999</c:v>
                 </c:pt>
                 <c:pt idx="51" formatCode="General">
                   <c:v>4.20833333333333</c:v>
@@ -9479,7 +9479,7 @@
                   <c:v>4.54166666666666</c:v>
                 </c:pt>
                 <c:pt idx="56" formatCode="General">
-                  <c:v>4.625</c:v>
+                  <c:v>4.624999999999999</c:v>
                 </c:pt>
                 <c:pt idx="57" formatCode="General">
                   <c:v>4.70833333333333</c:v>
@@ -9497,7 +9497,7 @@
                   <c:v>5.04166666666666</c:v>
                 </c:pt>
                 <c:pt idx="62" formatCode="General">
-                  <c:v>5.125</c:v>
+                  <c:v>5.124999999999999</c:v>
                 </c:pt>
                 <c:pt idx="63" formatCode="General">
                   <c:v>5.20833333333333</c:v>
@@ -9515,7 +9515,7 @@
                   <c:v>5.54166666666666</c:v>
                 </c:pt>
                 <c:pt idx="68" formatCode="General">
-                  <c:v>5.625</c:v>
+                  <c:v>5.624999999999999</c:v>
                 </c:pt>
                 <c:pt idx="69" formatCode="General">
                   <c:v>5.70833333333333</c:v>
@@ -9533,7 +9533,7 @@
                   <c:v>6.04166666666666</c:v>
                 </c:pt>
                 <c:pt idx="74" formatCode="General">
-                  <c:v>6.125</c:v>
+                  <c:v>6.124999999999999</c:v>
                 </c:pt>
                 <c:pt idx="75" formatCode="General">
                   <c:v>6.20833333333333</c:v>
@@ -9551,7 +9551,7 @@
                   <c:v>6.54166666666666</c:v>
                 </c:pt>
                 <c:pt idx="80" formatCode="General">
-                  <c:v>6.625</c:v>
+                  <c:v>6.624999999999999</c:v>
                 </c:pt>
                 <c:pt idx="81" formatCode="General">
                   <c:v>6.70833333333333</c:v>
@@ -9569,7 +9569,7 @@
                   <c:v>7.04166666666666</c:v>
                 </c:pt>
                 <c:pt idx="86" formatCode="General">
-                  <c:v>7.125</c:v>
+                  <c:v>7.124999999999999</c:v>
                 </c:pt>
                 <c:pt idx="87" formatCode="General">
                   <c:v>7.20833333333333</c:v>
@@ -9587,7 +9587,7 @@
                   <c:v>7.54166666666666</c:v>
                 </c:pt>
                 <c:pt idx="92" formatCode="General">
-                  <c:v>7.625</c:v>
+                  <c:v>7.624999999999999</c:v>
                 </c:pt>
                 <c:pt idx="93" formatCode="General">
                   <c:v>7.70833333333333</c:v>
@@ -9608,7 +9608,7 @@
                   <c:v>8.125</c:v>
                 </c:pt>
                 <c:pt idx="99" formatCode="General">
-                  <c:v>8.20833333333333</c:v>
+                  <c:v>8.208333333333329</c:v>
                 </c:pt>
                 <c:pt idx="100" formatCode="General">
                   <c:v>8.29166666666666</c:v>
@@ -9626,7 +9626,7 @@
                   <c:v>8.625</c:v>
                 </c:pt>
                 <c:pt idx="105" formatCode="General">
-                  <c:v>8.70833333333333</c:v>
+                  <c:v>8.708333333333329</c:v>
                 </c:pt>
                 <c:pt idx="106" formatCode="General">
                   <c:v>8.79166666666666</c:v>
@@ -9644,7 +9644,7 @@
                   <c:v>9.125</c:v>
                 </c:pt>
                 <c:pt idx="111" formatCode="General">
-                  <c:v>9.20833333333333</c:v>
+                  <c:v>9.208333333333329</c:v>
                 </c:pt>
                 <c:pt idx="112" formatCode="General">
                   <c:v>9.29166666666666</c:v>
@@ -9662,7 +9662,7 @@
                   <c:v>9.625</c:v>
                 </c:pt>
                 <c:pt idx="117" formatCode="General">
-                  <c:v>9.70833333333333</c:v>
+                  <c:v>9.708333333333329</c:v>
                 </c:pt>
                 <c:pt idx="118" formatCode="General">
                   <c:v>9.79166666666666</c:v>
@@ -10025,7 +10025,7 @@
                   <c:v>1.00939785801497</c:v>
                 </c:pt>
                 <c:pt idx="90">
-                  <c:v>1.00779409234532</c:v>
+                  <c:v>1.007794092345319</c:v>
                 </c:pt>
                 <c:pt idx="91">
                   <c:v>1.007457977124</c:v>
@@ -10133,7 +10133,7 @@
                   <c:v>1.01098701049929</c:v>
                 </c:pt>
                 <c:pt idx="126">
-                  <c:v>1.00979926278741</c:v>
+                  <c:v>1.009799262787409</c:v>
                 </c:pt>
                 <c:pt idx="127">
                   <c:v>1.00856550223209</c:v>
@@ -10378,7 +10378,7 @@
                   <c:v>4.04166666666666</c:v>
                 </c:pt>
                 <c:pt idx="50" formatCode="General">
-                  <c:v>4.125</c:v>
+                  <c:v>4.124999999999999</c:v>
                 </c:pt>
                 <c:pt idx="51" formatCode="General">
                   <c:v>4.20833333333333</c:v>
@@ -10396,7 +10396,7 @@
                   <c:v>4.54166666666666</c:v>
                 </c:pt>
                 <c:pt idx="56" formatCode="General">
-                  <c:v>4.625</c:v>
+                  <c:v>4.624999999999999</c:v>
                 </c:pt>
                 <c:pt idx="57" formatCode="General">
                   <c:v>4.70833333333333</c:v>
@@ -10414,7 +10414,7 @@
                   <c:v>5.04166666666666</c:v>
                 </c:pt>
                 <c:pt idx="62" formatCode="General">
-                  <c:v>5.125</c:v>
+                  <c:v>5.124999999999999</c:v>
                 </c:pt>
                 <c:pt idx="63" formatCode="General">
                   <c:v>5.20833333333333</c:v>
@@ -10432,7 +10432,7 @@
                   <c:v>5.54166666666666</c:v>
                 </c:pt>
                 <c:pt idx="68" formatCode="General">
-                  <c:v>5.625</c:v>
+                  <c:v>5.624999999999999</c:v>
                 </c:pt>
                 <c:pt idx="69" formatCode="General">
                   <c:v>5.70833333333333</c:v>
@@ -10450,7 +10450,7 @@
                   <c:v>6.04166666666666</c:v>
                 </c:pt>
                 <c:pt idx="74" formatCode="General">
-                  <c:v>6.125</c:v>
+                  <c:v>6.124999999999999</c:v>
                 </c:pt>
                 <c:pt idx="75" formatCode="General">
                   <c:v>6.20833333333333</c:v>
@@ -10468,7 +10468,7 @@
                   <c:v>6.54166666666666</c:v>
                 </c:pt>
                 <c:pt idx="80" formatCode="General">
-                  <c:v>6.625</c:v>
+                  <c:v>6.624999999999999</c:v>
                 </c:pt>
                 <c:pt idx="81" formatCode="General">
                   <c:v>6.70833333333333</c:v>
@@ -10486,7 +10486,7 @@
                   <c:v>7.04166666666666</c:v>
                 </c:pt>
                 <c:pt idx="86" formatCode="General">
-                  <c:v>7.125</c:v>
+                  <c:v>7.124999999999999</c:v>
                 </c:pt>
                 <c:pt idx="87" formatCode="General">
                   <c:v>7.20833333333333</c:v>
@@ -10504,7 +10504,7 @@
                   <c:v>7.54166666666666</c:v>
                 </c:pt>
                 <c:pt idx="92" formatCode="General">
-                  <c:v>7.625</c:v>
+                  <c:v>7.624999999999999</c:v>
                 </c:pt>
                 <c:pt idx="93" formatCode="General">
                   <c:v>7.70833333333333</c:v>
@@ -10525,7 +10525,7 @@
                   <c:v>8.125</c:v>
                 </c:pt>
                 <c:pt idx="99" formatCode="General">
-                  <c:v>8.20833333333333</c:v>
+                  <c:v>8.208333333333329</c:v>
                 </c:pt>
                 <c:pt idx="100" formatCode="General">
                   <c:v>8.29166666666666</c:v>
@@ -10543,7 +10543,7 @@
                   <c:v>8.625</c:v>
                 </c:pt>
                 <c:pt idx="105" formatCode="General">
-                  <c:v>8.70833333333333</c:v>
+                  <c:v>8.708333333333329</c:v>
                 </c:pt>
                 <c:pt idx="106" formatCode="General">
                   <c:v>8.79166666666666</c:v>
@@ -10561,7 +10561,7 @@
                   <c:v>9.125</c:v>
                 </c:pt>
                 <c:pt idx="111" formatCode="General">
-                  <c:v>9.20833333333333</c:v>
+                  <c:v>9.208333333333329</c:v>
                 </c:pt>
                 <c:pt idx="112" formatCode="General">
                   <c:v>9.29166666666666</c:v>
@@ -10579,7 +10579,7 @@
                   <c:v>9.625</c:v>
                 </c:pt>
                 <c:pt idx="117" formatCode="General">
-                  <c:v>9.70833333333333</c:v>
+                  <c:v>9.708333333333329</c:v>
                 </c:pt>
                 <c:pt idx="118" formatCode="General">
                   <c:v>9.79166666666666</c:v>
@@ -11119,11 +11119,11 @@
           <c:showPercent val="0"/>
           <c:showBubbleSize val="0"/>
         </c:dLbls>
-        <c:axId val="-2133944648"/>
-        <c:axId val="-2133938568"/>
+        <c:axId val="-2088450696"/>
+        <c:axId val="-2088444632"/>
       </c:scatterChart>
       <c:valAx>
-        <c:axId val="-2133944648"/>
+        <c:axId val="-2088450696"/>
         <c:scaling>
           <c:orientation val="minMax"/>
           <c:max val="12.0"/>
@@ -11176,12 +11176,12 @@
             <a:endParaRPr lang="zh-CN"/>
           </a:p>
         </c:txPr>
-        <c:crossAx val="-2133938568"/>
+        <c:crossAx val="-2088444632"/>
         <c:crosses val="autoZero"/>
         <c:crossBetween val="midCat"/>
       </c:valAx>
       <c:valAx>
-        <c:axId val="-2133938568"/>
+        <c:axId val="-2088444632"/>
         <c:scaling>
           <c:orientation val="minMax"/>
           <c:max val="2.7"/>
@@ -11223,7 +11223,7 @@
             <a:endParaRPr lang="zh-CN"/>
           </a:p>
         </c:txPr>
-        <c:crossAx val="-2133944648"/>
+        <c:crossAx val="-2088450696"/>
         <c:crosses val="autoZero"/>
         <c:crossBetween val="midCat"/>
       </c:valAx>
@@ -11300,8 +11300,8 @@
         <c:scatterStyle val="smoothMarker"/>
         <c:varyColors val="0"/>
         <c:ser>
-          <c:idx val="12"/>
-          <c:order val="1"/>
+          <c:idx val="0"/>
+          <c:order val="2"/>
           <c:tx>
             <c:strRef>
               <c:f>rdf_gaz_rare!$P$1</c:f>
@@ -11316,10 +11316,7 @@
           <c:spPr>
             <a:ln w="9525" cmpd="sng">
               <a:solidFill>
-                <a:schemeClr val="tx1">
-                  <a:lumMod val="50000"/>
-                  <a:lumOff val="50000"/>
-                </a:schemeClr>
+                <a:srgbClr val="FF0000"/>
               </a:solidFill>
             </a:ln>
           </c:spPr>
@@ -12276,6 +12273,913 @@
                 </c:pt>
                 <c:pt idx="155">
                   <c:v>0.98359407903818</c:v>
+                </c:pt>
+              </c:numCache>
+            </c:numRef>
+          </c:yVal>
+          <c:smooth val="1"/>
+        </c:ser>
+        <c:ser>
+          <c:idx val="12"/>
+          <c:order val="1"/>
+          <c:tx>
+            <c:v>Ne_dipole</c:v>
+          </c:tx>
+          <c:spPr>
+            <a:ln w="9525" cmpd="sng">
+              <a:solidFill>
+                <a:schemeClr val="tx1"/>
+              </a:solidFill>
+              <a:prstDash val="solid"/>
+            </a:ln>
+          </c:spPr>
+          <c:marker>
+            <c:symbol val="none"/>
+          </c:marker>
+          <c:xVal>
+            <c:numRef>
+              <c:f>rdf_gaz_rare!$A$2:$A$146</c:f>
+              <c:numCache>
+                <c:formatCode>0.00E+00</c:formatCode>
+                <c:ptCount val="145"/>
+                <c:pt idx="0" formatCode="General">
+                  <c:v>0.0</c:v>
+                </c:pt>
+                <c:pt idx="1">
+                  <c:v>0.0416666666666666</c:v>
+                </c:pt>
+                <c:pt idx="2" formatCode="General">
+                  <c:v>0.125</c:v>
+                </c:pt>
+                <c:pt idx="3" formatCode="General">
+                  <c:v>0.208333333333333</c:v>
+                </c:pt>
+                <c:pt idx="4" formatCode="General">
+                  <c:v>0.291666666666666</c:v>
+                </c:pt>
+                <c:pt idx="5" formatCode="General">
+                  <c:v>0.375</c:v>
+                </c:pt>
+                <c:pt idx="6" formatCode="General">
+                  <c:v>0.458333333333333</c:v>
+                </c:pt>
+                <c:pt idx="7" formatCode="General">
+                  <c:v>0.541666666666666</c:v>
+                </c:pt>
+                <c:pt idx="8" formatCode="General">
+                  <c:v>0.625</c:v>
+                </c:pt>
+                <c:pt idx="9" formatCode="General">
+                  <c:v>0.708333333333333</c:v>
+                </c:pt>
+                <c:pt idx="10" formatCode="General">
+                  <c:v>0.791666666666666</c:v>
+                </c:pt>
+                <c:pt idx="11" formatCode="General">
+                  <c:v>0.875</c:v>
+                </c:pt>
+                <c:pt idx="12" formatCode="General">
+                  <c:v>0.958333333333333</c:v>
+                </c:pt>
+                <c:pt idx="13" formatCode="General">
+                  <c:v>1.04166666666666</c:v>
+                </c:pt>
+                <c:pt idx="14" formatCode="General">
+                  <c:v>1.125</c:v>
+                </c:pt>
+                <c:pt idx="15" formatCode="General">
+                  <c:v>1.20833333333333</c:v>
+                </c:pt>
+                <c:pt idx="16" formatCode="General">
+                  <c:v>1.29166666666666</c:v>
+                </c:pt>
+                <c:pt idx="17" formatCode="General">
+                  <c:v>1.375</c:v>
+                </c:pt>
+                <c:pt idx="18" formatCode="General">
+                  <c:v>1.45833333333333</c:v>
+                </c:pt>
+                <c:pt idx="19" formatCode="General">
+                  <c:v>1.54166666666666</c:v>
+                </c:pt>
+                <c:pt idx="20" formatCode="General">
+                  <c:v>1.625</c:v>
+                </c:pt>
+                <c:pt idx="21" formatCode="General">
+                  <c:v>1.70833333333333</c:v>
+                </c:pt>
+                <c:pt idx="22" formatCode="General">
+                  <c:v>1.79166666666666</c:v>
+                </c:pt>
+                <c:pt idx="23" formatCode="General">
+                  <c:v>1.875</c:v>
+                </c:pt>
+                <c:pt idx="24" formatCode="General">
+                  <c:v>1.95833333333333</c:v>
+                </c:pt>
+                <c:pt idx="25" formatCode="General">
+                  <c:v>2.04166666666666</c:v>
+                </c:pt>
+                <c:pt idx="26" formatCode="General">
+                  <c:v>2.125</c:v>
+                </c:pt>
+                <c:pt idx="27" formatCode="General">
+                  <c:v>2.20833333333333</c:v>
+                </c:pt>
+                <c:pt idx="28" formatCode="General">
+                  <c:v>2.29166666666666</c:v>
+                </c:pt>
+                <c:pt idx="29" formatCode="General">
+                  <c:v>2.375</c:v>
+                </c:pt>
+                <c:pt idx="30" formatCode="General">
+                  <c:v>2.45833333333333</c:v>
+                </c:pt>
+                <c:pt idx="31" formatCode="General">
+                  <c:v>2.54166666666666</c:v>
+                </c:pt>
+                <c:pt idx="32" formatCode="General">
+                  <c:v>2.625</c:v>
+                </c:pt>
+                <c:pt idx="33" formatCode="General">
+                  <c:v>2.70833333333333</c:v>
+                </c:pt>
+                <c:pt idx="34" formatCode="General">
+                  <c:v>2.79166666666666</c:v>
+                </c:pt>
+                <c:pt idx="35" formatCode="General">
+                  <c:v>2.875</c:v>
+                </c:pt>
+                <c:pt idx="36" formatCode="General">
+                  <c:v>2.95833333333333</c:v>
+                </c:pt>
+                <c:pt idx="37" formatCode="General">
+                  <c:v>3.04166666666666</c:v>
+                </c:pt>
+                <c:pt idx="38" formatCode="General">
+                  <c:v>3.125</c:v>
+                </c:pt>
+                <c:pt idx="39" formatCode="General">
+                  <c:v>3.20833333333333</c:v>
+                </c:pt>
+                <c:pt idx="40" formatCode="General">
+                  <c:v>3.29166666666666</c:v>
+                </c:pt>
+                <c:pt idx="41" formatCode="General">
+                  <c:v>3.375</c:v>
+                </c:pt>
+                <c:pt idx="42" formatCode="General">
+                  <c:v>3.45833333333333</c:v>
+                </c:pt>
+                <c:pt idx="43" formatCode="General">
+                  <c:v>3.54166666666666</c:v>
+                </c:pt>
+                <c:pt idx="44" formatCode="General">
+                  <c:v>3.625</c:v>
+                </c:pt>
+                <c:pt idx="45" formatCode="General">
+                  <c:v>3.70833333333333</c:v>
+                </c:pt>
+                <c:pt idx="46" formatCode="General">
+                  <c:v>3.79166666666666</c:v>
+                </c:pt>
+                <c:pt idx="47" formatCode="General">
+                  <c:v>3.875</c:v>
+                </c:pt>
+                <c:pt idx="48" formatCode="General">
+                  <c:v>3.95833333333333</c:v>
+                </c:pt>
+                <c:pt idx="49" formatCode="General">
+                  <c:v>4.04166666666666</c:v>
+                </c:pt>
+                <c:pt idx="50" formatCode="General">
+                  <c:v>4.125</c:v>
+                </c:pt>
+                <c:pt idx="51" formatCode="General">
+                  <c:v>4.20833333333333</c:v>
+                </c:pt>
+                <c:pt idx="52" formatCode="General">
+                  <c:v>4.29166666666666</c:v>
+                </c:pt>
+                <c:pt idx="53" formatCode="General">
+                  <c:v>4.375</c:v>
+                </c:pt>
+                <c:pt idx="54" formatCode="General">
+                  <c:v>4.45833333333333</c:v>
+                </c:pt>
+                <c:pt idx="55" formatCode="General">
+                  <c:v>4.54166666666666</c:v>
+                </c:pt>
+                <c:pt idx="56" formatCode="General">
+                  <c:v>4.625</c:v>
+                </c:pt>
+                <c:pt idx="57" formatCode="General">
+                  <c:v>4.70833333333333</c:v>
+                </c:pt>
+                <c:pt idx="58" formatCode="General">
+                  <c:v>4.79166666666666</c:v>
+                </c:pt>
+                <c:pt idx="59" formatCode="General">
+                  <c:v>4.875</c:v>
+                </c:pt>
+                <c:pt idx="60" formatCode="General">
+                  <c:v>4.95833333333333</c:v>
+                </c:pt>
+                <c:pt idx="61" formatCode="General">
+                  <c:v>5.04166666666666</c:v>
+                </c:pt>
+                <c:pt idx="62" formatCode="General">
+                  <c:v>5.125</c:v>
+                </c:pt>
+                <c:pt idx="63" formatCode="General">
+                  <c:v>5.20833333333333</c:v>
+                </c:pt>
+                <c:pt idx="64" formatCode="General">
+                  <c:v>5.29166666666666</c:v>
+                </c:pt>
+                <c:pt idx="65" formatCode="General">
+                  <c:v>5.375</c:v>
+                </c:pt>
+                <c:pt idx="66" formatCode="General">
+                  <c:v>5.45833333333333</c:v>
+                </c:pt>
+                <c:pt idx="67" formatCode="General">
+                  <c:v>5.54166666666666</c:v>
+                </c:pt>
+                <c:pt idx="68" formatCode="General">
+                  <c:v>5.625</c:v>
+                </c:pt>
+                <c:pt idx="69" formatCode="General">
+                  <c:v>5.70833333333333</c:v>
+                </c:pt>
+                <c:pt idx="70" formatCode="General">
+                  <c:v>5.79166666666666</c:v>
+                </c:pt>
+                <c:pt idx="71" formatCode="General">
+                  <c:v>5.875</c:v>
+                </c:pt>
+                <c:pt idx="72" formatCode="General">
+                  <c:v>5.95833333333333</c:v>
+                </c:pt>
+                <c:pt idx="73" formatCode="General">
+                  <c:v>6.04166666666666</c:v>
+                </c:pt>
+                <c:pt idx="74" formatCode="General">
+                  <c:v>6.125</c:v>
+                </c:pt>
+                <c:pt idx="75" formatCode="General">
+                  <c:v>6.20833333333333</c:v>
+                </c:pt>
+                <c:pt idx="76" formatCode="General">
+                  <c:v>6.29166666666666</c:v>
+                </c:pt>
+                <c:pt idx="77" formatCode="General">
+                  <c:v>6.375</c:v>
+                </c:pt>
+                <c:pt idx="78" formatCode="General">
+                  <c:v>6.45833333333333</c:v>
+                </c:pt>
+                <c:pt idx="79" formatCode="General">
+                  <c:v>6.54166666666666</c:v>
+                </c:pt>
+                <c:pt idx="80" formatCode="General">
+                  <c:v>6.625</c:v>
+                </c:pt>
+                <c:pt idx="81" formatCode="General">
+                  <c:v>6.70833333333333</c:v>
+                </c:pt>
+                <c:pt idx="82" formatCode="General">
+                  <c:v>6.79166666666666</c:v>
+                </c:pt>
+                <c:pt idx="83" formatCode="General">
+                  <c:v>6.875</c:v>
+                </c:pt>
+                <c:pt idx="84" formatCode="General">
+                  <c:v>6.95833333333333</c:v>
+                </c:pt>
+                <c:pt idx="85" formatCode="General">
+                  <c:v>7.04166666666666</c:v>
+                </c:pt>
+                <c:pt idx="86" formatCode="General">
+                  <c:v>7.125</c:v>
+                </c:pt>
+                <c:pt idx="87" formatCode="General">
+                  <c:v>7.20833333333333</c:v>
+                </c:pt>
+                <c:pt idx="88" formatCode="General">
+                  <c:v>7.29166666666666</c:v>
+                </c:pt>
+                <c:pt idx="89" formatCode="General">
+                  <c:v>7.375</c:v>
+                </c:pt>
+                <c:pt idx="90" formatCode="General">
+                  <c:v>7.45833333333333</c:v>
+                </c:pt>
+                <c:pt idx="91" formatCode="General">
+                  <c:v>7.54166666666666</c:v>
+                </c:pt>
+                <c:pt idx="92" formatCode="General">
+                  <c:v>7.625</c:v>
+                </c:pt>
+                <c:pt idx="93" formatCode="General">
+                  <c:v>7.70833333333333</c:v>
+                </c:pt>
+                <c:pt idx="94" formatCode="General">
+                  <c:v>7.79166666666666</c:v>
+                </c:pt>
+                <c:pt idx="95" formatCode="General">
+                  <c:v>7.875</c:v>
+                </c:pt>
+                <c:pt idx="96" formatCode="General">
+                  <c:v>7.95833333333333</c:v>
+                </c:pt>
+                <c:pt idx="97" formatCode="General">
+                  <c:v>8.04166666666666</c:v>
+                </c:pt>
+                <c:pt idx="98" formatCode="General">
+                  <c:v>8.125</c:v>
+                </c:pt>
+                <c:pt idx="99" formatCode="General">
+                  <c:v>8.20833333333333</c:v>
+                </c:pt>
+                <c:pt idx="100" formatCode="General">
+                  <c:v>8.29166666666666</c:v>
+                </c:pt>
+                <c:pt idx="101" formatCode="General">
+                  <c:v>8.375</c:v>
+                </c:pt>
+                <c:pt idx="102" formatCode="General">
+                  <c:v>8.45833333333333</c:v>
+                </c:pt>
+                <c:pt idx="103" formatCode="General">
+                  <c:v>8.54166666666666</c:v>
+                </c:pt>
+                <c:pt idx="104" formatCode="General">
+                  <c:v>8.625</c:v>
+                </c:pt>
+                <c:pt idx="105" formatCode="General">
+                  <c:v>8.70833333333333</c:v>
+                </c:pt>
+                <c:pt idx="106" formatCode="General">
+                  <c:v>8.79166666666666</c:v>
+                </c:pt>
+                <c:pt idx="107" formatCode="General">
+                  <c:v>8.875</c:v>
+                </c:pt>
+                <c:pt idx="108" formatCode="General">
+                  <c:v>8.95833333333333</c:v>
+                </c:pt>
+                <c:pt idx="109" formatCode="General">
+                  <c:v>9.04166666666666</c:v>
+                </c:pt>
+                <c:pt idx="110" formatCode="General">
+                  <c:v>9.125</c:v>
+                </c:pt>
+                <c:pt idx="111" formatCode="General">
+                  <c:v>9.20833333333333</c:v>
+                </c:pt>
+                <c:pt idx="112" formatCode="General">
+                  <c:v>9.29166666666666</c:v>
+                </c:pt>
+                <c:pt idx="113" formatCode="General">
+                  <c:v>9.375</c:v>
+                </c:pt>
+                <c:pt idx="114" formatCode="General">
+                  <c:v>9.45833333333333</c:v>
+                </c:pt>
+                <c:pt idx="115" formatCode="General">
+                  <c:v>9.54166666666666</c:v>
+                </c:pt>
+                <c:pt idx="116" formatCode="General">
+                  <c:v>9.625</c:v>
+                </c:pt>
+                <c:pt idx="117" formatCode="General">
+                  <c:v>9.70833333333333</c:v>
+                </c:pt>
+                <c:pt idx="118" formatCode="General">
+                  <c:v>9.79166666666666</c:v>
+                </c:pt>
+                <c:pt idx="119" formatCode="General">
+                  <c:v>9.875</c:v>
+                </c:pt>
+                <c:pt idx="120" formatCode="General">
+                  <c:v>9.95833333333333</c:v>
+                </c:pt>
+                <c:pt idx="121" formatCode="General">
+                  <c:v>10.0416666666666</c:v>
+                </c:pt>
+                <c:pt idx="122" formatCode="General">
+                  <c:v>10.125</c:v>
+                </c:pt>
+                <c:pt idx="123" formatCode="General">
+                  <c:v>10.2083333333333</c:v>
+                </c:pt>
+                <c:pt idx="124" formatCode="General">
+                  <c:v>10.2916666666666</c:v>
+                </c:pt>
+                <c:pt idx="125" formatCode="General">
+                  <c:v>10.375</c:v>
+                </c:pt>
+                <c:pt idx="126" formatCode="General">
+                  <c:v>10.4583333333333</c:v>
+                </c:pt>
+                <c:pt idx="127" formatCode="General">
+                  <c:v>10.5416666666666</c:v>
+                </c:pt>
+                <c:pt idx="128" formatCode="General">
+                  <c:v>10.625</c:v>
+                </c:pt>
+                <c:pt idx="129" formatCode="General">
+                  <c:v>10.7083333333333</c:v>
+                </c:pt>
+                <c:pt idx="130" formatCode="General">
+                  <c:v>10.7916666666666</c:v>
+                </c:pt>
+                <c:pt idx="131" formatCode="General">
+                  <c:v>10.875</c:v>
+                </c:pt>
+                <c:pt idx="132" formatCode="General">
+                  <c:v>10.9583333333333</c:v>
+                </c:pt>
+                <c:pt idx="133" formatCode="General">
+                  <c:v>11.0416666666666</c:v>
+                </c:pt>
+                <c:pt idx="134" formatCode="General">
+                  <c:v>11.125</c:v>
+                </c:pt>
+                <c:pt idx="135" formatCode="General">
+                  <c:v>11.2083333333333</c:v>
+                </c:pt>
+                <c:pt idx="136" formatCode="General">
+                  <c:v>11.2916666666666</c:v>
+                </c:pt>
+                <c:pt idx="137" formatCode="General">
+                  <c:v>11.375</c:v>
+                </c:pt>
+                <c:pt idx="138" formatCode="General">
+                  <c:v>11.4583333333333</c:v>
+                </c:pt>
+                <c:pt idx="139" formatCode="General">
+                  <c:v>11.5416666666666</c:v>
+                </c:pt>
+                <c:pt idx="140" formatCode="General">
+                  <c:v>11.625</c:v>
+                </c:pt>
+                <c:pt idx="141" formatCode="General">
+                  <c:v>11.7083333333333</c:v>
+                </c:pt>
+                <c:pt idx="142" formatCode="General">
+                  <c:v>11.7916666666666</c:v>
+                </c:pt>
+                <c:pt idx="143" formatCode="General">
+                  <c:v>11.875</c:v>
+                </c:pt>
+                <c:pt idx="144" formatCode="General">
+                  <c:v>11.9583333333333</c:v>
+                </c:pt>
+              </c:numCache>
+            </c:numRef>
+          </c:xVal>
+          <c:yVal>
+            <c:numRef>
+              <c:f>rdf_gaz_rare!$AG$3:$AG$158</c:f>
+              <c:numCache>
+                <c:formatCode>General</c:formatCode>
+                <c:ptCount val="156"/>
+                <c:pt idx="0">
+                  <c:v>0.0</c:v>
+                </c:pt>
+                <c:pt idx="1">
+                  <c:v>0.0</c:v>
+                </c:pt>
+                <c:pt idx="2">
+                  <c:v>0.0</c:v>
+                </c:pt>
+                <c:pt idx="3">
+                  <c:v>0.0</c:v>
+                </c:pt>
+                <c:pt idx="4">
+                  <c:v>0.0</c:v>
+                </c:pt>
+                <c:pt idx="5">
+                  <c:v>0.0</c:v>
+                </c:pt>
+                <c:pt idx="6">
+                  <c:v>0.0</c:v>
+                </c:pt>
+                <c:pt idx="7">
+                  <c:v>0.0</c:v>
+                </c:pt>
+                <c:pt idx="8">
+                  <c:v>0.0</c:v>
+                </c:pt>
+                <c:pt idx="9">
+                  <c:v>0.0</c:v>
+                </c:pt>
+                <c:pt idx="10">
+                  <c:v>0.0</c:v>
+                </c:pt>
+                <c:pt idx="11">
+                  <c:v>0.0</c:v>
+                </c:pt>
+                <c:pt idx="12">
+                  <c:v>0.0</c:v>
+                </c:pt>
+                <c:pt idx="13">
+                  <c:v>0.0</c:v>
+                </c:pt>
+                <c:pt idx="14">
+                  <c:v>0.0</c:v>
+                </c:pt>
+                <c:pt idx="15">
+                  <c:v>0.0</c:v>
+                </c:pt>
+                <c:pt idx="16">
+                  <c:v>0.0</c:v>
+                </c:pt>
+                <c:pt idx="17">
+                  <c:v>0.0</c:v>
+                </c:pt>
+                <c:pt idx="18">
+                  <c:v>0.0</c:v>
+                </c:pt>
+                <c:pt idx="19">
+                  <c:v>0.0</c:v>
+                </c:pt>
+                <c:pt idx="20">
+                  <c:v>0.0</c:v>
+                </c:pt>
+                <c:pt idx="21">
+                  <c:v>0.0</c:v>
+                </c:pt>
+                <c:pt idx="22">
+                  <c:v>0.0</c:v>
+                </c:pt>
+                <c:pt idx="23">
+                  <c:v>0.0</c:v>
+                </c:pt>
+                <c:pt idx="24">
+                  <c:v>0.0</c:v>
+                </c:pt>
+                <c:pt idx="25">
+                  <c:v>0.0</c:v>
+                </c:pt>
+                <c:pt idx="26">
+                  <c:v>0.0</c:v>
+                </c:pt>
+                <c:pt idx="27" formatCode="0.00E+00">
+                  <c:v>2.93473418856715E-9</c:v>
+                </c:pt>
+                <c:pt idx="28" formatCode="0.00E+00">
+                  <c:v>1.62122624452254E-5</c:v>
+                </c:pt>
+                <c:pt idx="29" formatCode="0.00E+00">
+                  <c:v>0.000641800264984164</c:v>
+                </c:pt>
+                <c:pt idx="30" formatCode="0.00E+00">
+                  <c:v>0.0215551093734537</c:v>
+                </c:pt>
+                <c:pt idx="31">
+                  <c:v>0.174595977823428</c:v>
+                </c:pt>
+                <c:pt idx="32">
+                  <c:v>0.522745982356938</c:v>
+                </c:pt>
+                <c:pt idx="33">
+                  <c:v>1.18154017368623</c:v>
+                </c:pt>
+                <c:pt idx="34">
+                  <c:v>1.69649407038956</c:v>
+                </c:pt>
+                <c:pt idx="35">
+                  <c:v>2.07362815871359</c:v>
+                </c:pt>
+                <c:pt idx="36">
+                  <c:v>2.20272958741899</c:v>
+                </c:pt>
+                <c:pt idx="37">
+                  <c:v>2.18980905126493</c:v>
+                </c:pt>
+                <c:pt idx="38">
+                  <c:v>2.04255791011511</c:v>
+                </c:pt>
+                <c:pt idx="39">
+                  <c:v>1.8838323482515</c:v>
+                </c:pt>
+                <c:pt idx="40">
+                  <c:v>1.7136292417624</c:v>
+                </c:pt>
+                <c:pt idx="41">
+                  <c:v>1.56866030373995</c:v>
+                </c:pt>
+                <c:pt idx="42">
+                  <c:v>1.40737717537913</c:v>
+                </c:pt>
+                <c:pt idx="43">
+                  <c:v>1.28283950403829</c:v>
+                </c:pt>
+                <c:pt idx="44">
+                  <c:v>1.20921857305058</c:v>
+                </c:pt>
+                <c:pt idx="45">
+                  <c:v>1.10791594315959</c:v>
+                </c:pt>
+                <c:pt idx="46">
+                  <c:v>1.02829046880629</c:v>
+                </c:pt>
+                <c:pt idx="47">
+                  <c:v>0.972511853945743</c:v>
+                </c:pt>
+                <c:pt idx="48">
+                  <c:v>0.930877418219332</c:v>
+                </c:pt>
+                <c:pt idx="49">
+                  <c:v>0.885960112190317</c:v>
+                </c:pt>
+                <c:pt idx="50">
+                  <c:v>0.854779817235728</c:v>
+                </c:pt>
+                <c:pt idx="51">
+                  <c:v>0.830698488594024</c:v>
+                </c:pt>
+                <c:pt idx="52">
+                  <c:v>0.816415082171619</c:v>
+                </c:pt>
+                <c:pt idx="53">
+                  <c:v>0.804544994648387</c:v>
+                </c:pt>
+                <c:pt idx="54">
+                  <c:v>0.796864956241921</c:v>
+                </c:pt>
+                <c:pt idx="55">
+                  <c:v>0.796539257515157</c:v>
+                </c:pt>
+                <c:pt idx="56">
+                  <c:v>0.800842494868958</c:v>
+                </c:pt>
+                <c:pt idx="57">
+                  <c:v>0.807499764343112</c:v>
+                </c:pt>
+                <c:pt idx="58">
+                  <c:v>0.820481748253795</c:v>
+                </c:pt>
+                <c:pt idx="59">
+                  <c:v>0.83544268600381</c:v>
+                </c:pt>
+                <c:pt idx="60">
+                  <c:v>0.85341191187396</c:v>
+                </c:pt>
+                <c:pt idx="61">
+                  <c:v>0.876047399044043</c:v>
+                </c:pt>
+                <c:pt idx="62">
+                  <c:v>0.901388894079393</c:v>
+                </c:pt>
+                <c:pt idx="63">
+                  <c:v>0.936022376094551</c:v>
+                </c:pt>
+                <c:pt idx="64">
+                  <c:v>0.965600979139889</c:v>
+                </c:pt>
+                <c:pt idx="65">
+                  <c:v>0.997863013072381</c:v>
+                </c:pt>
+                <c:pt idx="66">
+                  <c:v>1.02346492445259</c:v>
+                </c:pt>
+                <c:pt idx="67">
+                  <c:v>1.04129134064403</c:v>
+                </c:pt>
+                <c:pt idx="68">
+                  <c:v>1.05162410130505</c:v>
+                </c:pt>
+                <c:pt idx="69">
+                  <c:v>1.05537047177812</c:v>
+                </c:pt>
+                <c:pt idx="70">
+                  <c:v>1.05299295609497</c:v>
+                </c:pt>
+                <c:pt idx="71">
+                  <c:v>1.04698761592052</c:v>
+                </c:pt>
+                <c:pt idx="72">
+                  <c:v>1.04078546125042</c:v>
+                </c:pt>
+                <c:pt idx="73">
+                  <c:v>1.03543052963032</c:v>
+                </c:pt>
+                <c:pt idx="74">
+                  <c:v>1.02914913643365</c:v>
+                </c:pt>
+                <c:pt idx="75">
+                  <c:v>1.02596542597405</c:v>
+                </c:pt>
+                <c:pt idx="76">
+                  <c:v>1.02348995378657</c:v>
+                </c:pt>
+                <c:pt idx="77">
+                  <c:v>1.02162637432656</c:v>
+                </c:pt>
+                <c:pt idx="78">
+                  <c:v>1.02087778074632</c:v>
+                </c:pt>
+                <c:pt idx="79">
+                  <c:v>1.02084702589803</c:v>
+                </c:pt>
+                <c:pt idx="80">
+                  <c:v>1.02108649195721</c:v>
+                </c:pt>
+                <c:pt idx="81">
+                  <c:v>1.02139078593393</c:v>
+                </c:pt>
+                <c:pt idx="82">
+                  <c:v>1.02203506071547</c:v>
+                </c:pt>
+                <c:pt idx="83">
+                  <c:v>1.02197356951594</c:v>
+                </c:pt>
+                <c:pt idx="84">
+                  <c:v>1.02176256247579</c:v>
+                </c:pt>
+                <c:pt idx="85">
+                  <c:v>1.02060578666339</c:v>
+                </c:pt>
+                <c:pt idx="86">
+                  <c:v>1.0188160843157</c:v>
+                </c:pt>
+                <c:pt idx="87">
+                  <c:v>1.01675104563329</c:v>
+                </c:pt>
+                <c:pt idx="88">
+                  <c:v>1.0139259110965</c:v>
+                </c:pt>
+                <c:pt idx="89">
+                  <c:v>1.01049414116368</c:v>
+                </c:pt>
+                <c:pt idx="90">
+                  <c:v>1.00628204329633</c:v>
+                </c:pt>
+                <c:pt idx="91">
+                  <c:v>1.00239109656583</c:v>
+                </c:pt>
+                <c:pt idx="92">
+                  <c:v>0.998450132964489</c:v>
+                </c:pt>
+                <c:pt idx="93">
+                  <c:v>0.994273645329887</c:v>
+                </c:pt>
+                <c:pt idx="94">
+                  <c:v>0.990088880967729</c:v>
+                </c:pt>
+                <c:pt idx="95">
+                  <c:v>0.986237025673603</c:v>
+                </c:pt>
+                <c:pt idx="96">
+                  <c:v>0.98373875073784</c:v>
+                </c:pt>
+                <c:pt idx="97">
+                  <c:v>0.98075708739186</c:v>
+                </c:pt>
+                <c:pt idx="98">
+                  <c:v>0.979407322083813</c:v>
+                </c:pt>
+                <c:pt idx="99">
+                  <c:v>0.978539846255847</c:v>
+                </c:pt>
+                <c:pt idx="100">
+                  <c:v>0.978275366672149</c:v>
+                </c:pt>
+                <c:pt idx="101">
+                  <c:v>0.97890332307944</c:v>
+                </c:pt>
+                <c:pt idx="102">
+                  <c:v>0.980262110073283</c:v>
+                </c:pt>
+                <c:pt idx="103">
+                  <c:v>0.982316438202763</c:v>
+                </c:pt>
+                <c:pt idx="104">
+                  <c:v>0.984512814118527</c:v>
+                </c:pt>
+                <c:pt idx="105">
+                  <c:v>0.987322148338751</c:v>
+                </c:pt>
+                <c:pt idx="106">
+                  <c:v>0.99036304287495</c:v>
+                </c:pt>
+                <c:pt idx="107">
+                  <c:v>0.993573138841871</c:v>
+                </c:pt>
+                <c:pt idx="108">
+                  <c:v>0.996555595263831</c:v>
+                </c:pt>
+                <c:pt idx="109">
+                  <c:v>0.999041487351658</c:v>
+                </c:pt>
+                <c:pt idx="110">
+                  <c:v>1.00211183401295</c:v>
+                </c:pt>
+                <c:pt idx="111">
+                  <c:v>1.00448415391898</c:v>
+                </c:pt>
+                <c:pt idx="112">
+                  <c:v>1.00655852174278</c:v>
+                </c:pt>
+                <c:pt idx="113">
+                  <c:v>1.00804536179472</c:v>
+                </c:pt>
+                <c:pt idx="114">
+                  <c:v>1.00931789478911</c:v>
+                </c:pt>
+                <c:pt idx="115">
+                  <c:v>1.0101487320067</c:v>
+                </c:pt>
+                <c:pt idx="116">
+                  <c:v>1.01048046801433</c:v>
+                </c:pt>
+                <c:pt idx="117">
+                  <c:v>1.01037735345935</c:v>
+                </c:pt>
+                <c:pt idx="118">
+                  <c:v>1.0099856384565</c:v>
+                </c:pt>
+                <c:pt idx="119">
+                  <c:v>1.00925102510455</c:v>
+                </c:pt>
+                <c:pt idx="120">
+                  <c:v>1.00840681618611</c:v>
+                </c:pt>
+                <c:pt idx="121">
+                  <c:v>1.00724155052943</c:v>
+                </c:pt>
+                <c:pt idx="122">
+                  <c:v>1.00600133759042</c:v>
+                </c:pt>
+                <c:pt idx="123">
+                  <c:v>1.00476248026146</c:v>
+                </c:pt>
+                <c:pt idx="124">
+                  <c:v>1.00346583246667</c:v>
+                </c:pt>
+                <c:pt idx="125">
+                  <c:v>1.00235619846734</c:v>
+                </c:pt>
+                <c:pt idx="126">
+                  <c:v>1.00090736835761</c:v>
+                </c:pt>
+                <c:pt idx="127">
+                  <c:v>1.00004603755836</c:v>
+                </c:pt>
+                <c:pt idx="128">
+                  <c:v>0.998909803255513</c:v>
+                </c:pt>
+                <c:pt idx="129">
+                  <c:v>0.998256539363539</c:v>
+                </c:pt>
+                <c:pt idx="130">
+                  <c:v>0.997542282886278</c:v>
+                </c:pt>
+                <c:pt idx="131">
+                  <c:v>0.99695531914138</c:v>
+                </c:pt>
+                <c:pt idx="132">
+                  <c:v>0.996636358381716</c:v>
+                </c:pt>
+                <c:pt idx="133">
+                  <c:v>0.996429415530647</c:v>
+                </c:pt>
+                <c:pt idx="134">
+                  <c:v>0.996291494604897</c:v>
+                </c:pt>
+                <c:pt idx="135">
+                  <c:v>0.996276441209031</c:v>
+                </c:pt>
+                <c:pt idx="136">
+                  <c:v>0.996375234700535</c:v>
+                </c:pt>
+                <c:pt idx="137">
+                  <c:v>0.996390802001871</c:v>
+                </c:pt>
+                <c:pt idx="138">
+                  <c:v>0.996757073214972</c:v>
+                </c:pt>
+                <c:pt idx="139">
+                  <c:v>0.996896378924506</c:v>
+                </c:pt>
+                <c:pt idx="140">
+                  <c:v>0.997279983070324</c:v>
+                </c:pt>
+                <c:pt idx="141">
+                  <c:v>0.99747730399053</c:v>
+                </c:pt>
+                <c:pt idx="142">
+                  <c:v>0.997840027612544</c:v>
+                </c:pt>
+                <c:pt idx="143">
+                  <c:v>0.998267087886664</c:v>
+                </c:pt>
+                <c:pt idx="144">
+                  <c:v>0.99857942929333</c:v>
                 </c:pt>
               </c:numCache>
             </c:numRef>
@@ -12299,7 +13203,7 @@
           <c:spPr>
             <a:ln w="19050" cmpd="sng">
               <a:solidFill>
-                <a:schemeClr val="tx1"/>
+                <a:srgbClr val="800000"/>
               </a:solidFill>
               <a:prstDash val="dash"/>
             </a:ln>
@@ -13205,11 +14109,11 @@
           <c:showPercent val="0"/>
           <c:showBubbleSize val="0"/>
         </c:dLbls>
-        <c:axId val="-2135995192"/>
-        <c:axId val="-2135979240"/>
+        <c:axId val="-2074197752"/>
+        <c:axId val="-2074199000"/>
       </c:scatterChart>
       <c:valAx>
-        <c:axId val="-2135995192"/>
+        <c:axId val="-2074197752"/>
         <c:scaling>
           <c:orientation val="minMax"/>
           <c:max val="12.0"/>
@@ -13262,12 +14166,12 @@
             <a:endParaRPr lang="zh-CN"/>
           </a:p>
         </c:txPr>
-        <c:crossAx val="-2135979240"/>
+        <c:crossAx val="-2074199000"/>
         <c:crosses val="autoZero"/>
         <c:crossBetween val="midCat"/>
       </c:valAx>
       <c:valAx>
-        <c:axId val="-2135979240"/>
+        <c:axId val="-2074199000"/>
         <c:scaling>
           <c:orientation val="minMax"/>
           <c:max val="2.7"/>
@@ -13313,7 +14217,7 @@
             <a:endParaRPr lang="zh-CN"/>
           </a:p>
         </c:txPr>
-        <c:crossAx val="-2135995192"/>
+        <c:crossAx val="-2074197752"/>
         <c:crosses val="autoZero"/>
         <c:crossBetween val="midCat"/>
       </c:valAx>
@@ -13390,8 +14294,8 @@
         <c:scatterStyle val="smoothMarker"/>
         <c:varyColors val="0"/>
         <c:ser>
-          <c:idx val="13"/>
-          <c:order val="1"/>
+          <c:idx val="0"/>
+          <c:order val="2"/>
           <c:tx>
             <c:strRef>
               <c:f>rdf_gaz_rare!$Q$1</c:f>
@@ -13406,7 +14310,7 @@
           <c:spPr>
             <a:ln w="9525" cmpd="sng">
               <a:solidFill>
-                <a:srgbClr val="800000"/>
+                <a:srgbClr val="FF0000"/>
               </a:solidFill>
             </a:ln>
           </c:spPr>
@@ -14363,6 +15267,912 @@
                 </c:pt>
                 <c:pt idx="155">
                   <c:v>0.999759709362088</c:v>
+                </c:pt>
+              </c:numCache>
+            </c:numRef>
+          </c:yVal>
+          <c:smooth val="1"/>
+        </c:ser>
+        <c:ser>
+          <c:idx val="13"/>
+          <c:order val="1"/>
+          <c:tx>
+            <c:v>Ar_dipole</c:v>
+          </c:tx>
+          <c:spPr>
+            <a:ln w="9525" cmpd="sng">
+              <a:solidFill>
+                <a:schemeClr val="tx1"/>
+              </a:solidFill>
+            </a:ln>
+          </c:spPr>
+          <c:marker>
+            <c:symbol val="none"/>
+          </c:marker>
+          <c:xVal>
+            <c:numRef>
+              <c:f>rdf_gaz_rare!$A$2:$A$146</c:f>
+              <c:numCache>
+                <c:formatCode>0.00E+00</c:formatCode>
+                <c:ptCount val="145"/>
+                <c:pt idx="0" formatCode="General">
+                  <c:v>0.0</c:v>
+                </c:pt>
+                <c:pt idx="1">
+                  <c:v>0.0416666666666666</c:v>
+                </c:pt>
+                <c:pt idx="2" formatCode="General">
+                  <c:v>0.125</c:v>
+                </c:pt>
+                <c:pt idx="3" formatCode="General">
+                  <c:v>0.208333333333333</c:v>
+                </c:pt>
+                <c:pt idx="4" formatCode="General">
+                  <c:v>0.291666666666666</c:v>
+                </c:pt>
+                <c:pt idx="5" formatCode="General">
+                  <c:v>0.375</c:v>
+                </c:pt>
+                <c:pt idx="6" formatCode="General">
+                  <c:v>0.458333333333333</c:v>
+                </c:pt>
+                <c:pt idx="7" formatCode="General">
+                  <c:v>0.541666666666666</c:v>
+                </c:pt>
+                <c:pt idx="8" formatCode="General">
+                  <c:v>0.625</c:v>
+                </c:pt>
+                <c:pt idx="9" formatCode="General">
+                  <c:v>0.708333333333333</c:v>
+                </c:pt>
+                <c:pt idx="10" formatCode="General">
+                  <c:v>0.791666666666666</c:v>
+                </c:pt>
+                <c:pt idx="11" formatCode="General">
+                  <c:v>0.875</c:v>
+                </c:pt>
+                <c:pt idx="12" formatCode="General">
+                  <c:v>0.958333333333333</c:v>
+                </c:pt>
+                <c:pt idx="13" formatCode="General">
+                  <c:v>1.04166666666666</c:v>
+                </c:pt>
+                <c:pt idx="14" formatCode="General">
+                  <c:v>1.125</c:v>
+                </c:pt>
+                <c:pt idx="15" formatCode="General">
+                  <c:v>1.20833333333333</c:v>
+                </c:pt>
+                <c:pt idx="16" formatCode="General">
+                  <c:v>1.29166666666666</c:v>
+                </c:pt>
+                <c:pt idx="17" formatCode="General">
+                  <c:v>1.375</c:v>
+                </c:pt>
+                <c:pt idx="18" formatCode="General">
+                  <c:v>1.45833333333333</c:v>
+                </c:pt>
+                <c:pt idx="19" formatCode="General">
+                  <c:v>1.54166666666666</c:v>
+                </c:pt>
+                <c:pt idx="20" formatCode="General">
+                  <c:v>1.625</c:v>
+                </c:pt>
+                <c:pt idx="21" formatCode="General">
+                  <c:v>1.70833333333333</c:v>
+                </c:pt>
+                <c:pt idx="22" formatCode="General">
+                  <c:v>1.79166666666666</c:v>
+                </c:pt>
+                <c:pt idx="23" formatCode="General">
+                  <c:v>1.875</c:v>
+                </c:pt>
+                <c:pt idx="24" formatCode="General">
+                  <c:v>1.95833333333333</c:v>
+                </c:pt>
+                <c:pt idx="25" formatCode="General">
+                  <c:v>2.04166666666666</c:v>
+                </c:pt>
+                <c:pt idx="26" formatCode="General">
+                  <c:v>2.125</c:v>
+                </c:pt>
+                <c:pt idx="27" formatCode="General">
+                  <c:v>2.20833333333333</c:v>
+                </c:pt>
+                <c:pt idx="28" formatCode="General">
+                  <c:v>2.29166666666666</c:v>
+                </c:pt>
+                <c:pt idx="29" formatCode="General">
+                  <c:v>2.375</c:v>
+                </c:pt>
+                <c:pt idx="30" formatCode="General">
+                  <c:v>2.45833333333333</c:v>
+                </c:pt>
+                <c:pt idx="31" formatCode="General">
+                  <c:v>2.54166666666666</c:v>
+                </c:pt>
+                <c:pt idx="32" formatCode="General">
+                  <c:v>2.625</c:v>
+                </c:pt>
+                <c:pt idx="33" formatCode="General">
+                  <c:v>2.70833333333333</c:v>
+                </c:pt>
+                <c:pt idx="34" formatCode="General">
+                  <c:v>2.79166666666666</c:v>
+                </c:pt>
+                <c:pt idx="35" formatCode="General">
+                  <c:v>2.875</c:v>
+                </c:pt>
+                <c:pt idx="36" formatCode="General">
+                  <c:v>2.95833333333333</c:v>
+                </c:pt>
+                <c:pt idx="37" formatCode="General">
+                  <c:v>3.04166666666666</c:v>
+                </c:pt>
+                <c:pt idx="38" formatCode="General">
+                  <c:v>3.125</c:v>
+                </c:pt>
+                <c:pt idx="39" formatCode="General">
+                  <c:v>3.20833333333333</c:v>
+                </c:pt>
+                <c:pt idx="40" formatCode="General">
+                  <c:v>3.29166666666666</c:v>
+                </c:pt>
+                <c:pt idx="41" formatCode="General">
+                  <c:v>3.375</c:v>
+                </c:pt>
+                <c:pt idx="42" formatCode="General">
+                  <c:v>3.45833333333333</c:v>
+                </c:pt>
+                <c:pt idx="43" formatCode="General">
+                  <c:v>3.54166666666666</c:v>
+                </c:pt>
+                <c:pt idx="44" formatCode="General">
+                  <c:v>3.625</c:v>
+                </c:pt>
+                <c:pt idx="45" formatCode="General">
+                  <c:v>3.70833333333333</c:v>
+                </c:pt>
+                <c:pt idx="46" formatCode="General">
+                  <c:v>3.79166666666666</c:v>
+                </c:pt>
+                <c:pt idx="47" formatCode="General">
+                  <c:v>3.875</c:v>
+                </c:pt>
+                <c:pt idx="48" formatCode="General">
+                  <c:v>3.95833333333333</c:v>
+                </c:pt>
+                <c:pt idx="49" formatCode="General">
+                  <c:v>4.04166666666666</c:v>
+                </c:pt>
+                <c:pt idx="50" formatCode="General">
+                  <c:v>4.125</c:v>
+                </c:pt>
+                <c:pt idx="51" formatCode="General">
+                  <c:v>4.20833333333333</c:v>
+                </c:pt>
+                <c:pt idx="52" formatCode="General">
+                  <c:v>4.29166666666666</c:v>
+                </c:pt>
+                <c:pt idx="53" formatCode="General">
+                  <c:v>4.375</c:v>
+                </c:pt>
+                <c:pt idx="54" formatCode="General">
+                  <c:v>4.45833333333333</c:v>
+                </c:pt>
+                <c:pt idx="55" formatCode="General">
+                  <c:v>4.54166666666666</c:v>
+                </c:pt>
+                <c:pt idx="56" formatCode="General">
+                  <c:v>4.625</c:v>
+                </c:pt>
+                <c:pt idx="57" formatCode="General">
+                  <c:v>4.70833333333333</c:v>
+                </c:pt>
+                <c:pt idx="58" formatCode="General">
+                  <c:v>4.79166666666666</c:v>
+                </c:pt>
+                <c:pt idx="59" formatCode="General">
+                  <c:v>4.875</c:v>
+                </c:pt>
+                <c:pt idx="60" formatCode="General">
+                  <c:v>4.95833333333333</c:v>
+                </c:pt>
+                <c:pt idx="61" formatCode="General">
+                  <c:v>5.04166666666666</c:v>
+                </c:pt>
+                <c:pt idx="62" formatCode="General">
+                  <c:v>5.125</c:v>
+                </c:pt>
+                <c:pt idx="63" formatCode="General">
+                  <c:v>5.20833333333333</c:v>
+                </c:pt>
+                <c:pt idx="64" formatCode="General">
+                  <c:v>5.29166666666666</c:v>
+                </c:pt>
+                <c:pt idx="65" formatCode="General">
+                  <c:v>5.375</c:v>
+                </c:pt>
+                <c:pt idx="66" formatCode="General">
+                  <c:v>5.45833333333333</c:v>
+                </c:pt>
+                <c:pt idx="67" formatCode="General">
+                  <c:v>5.54166666666666</c:v>
+                </c:pt>
+                <c:pt idx="68" formatCode="General">
+                  <c:v>5.625</c:v>
+                </c:pt>
+                <c:pt idx="69" formatCode="General">
+                  <c:v>5.70833333333333</c:v>
+                </c:pt>
+                <c:pt idx="70" formatCode="General">
+                  <c:v>5.79166666666666</c:v>
+                </c:pt>
+                <c:pt idx="71" formatCode="General">
+                  <c:v>5.875</c:v>
+                </c:pt>
+                <c:pt idx="72" formatCode="General">
+                  <c:v>5.95833333333333</c:v>
+                </c:pt>
+                <c:pt idx="73" formatCode="General">
+                  <c:v>6.04166666666666</c:v>
+                </c:pt>
+                <c:pt idx="74" formatCode="General">
+                  <c:v>6.125</c:v>
+                </c:pt>
+                <c:pt idx="75" formatCode="General">
+                  <c:v>6.20833333333333</c:v>
+                </c:pt>
+                <c:pt idx="76" formatCode="General">
+                  <c:v>6.29166666666666</c:v>
+                </c:pt>
+                <c:pt idx="77" formatCode="General">
+                  <c:v>6.375</c:v>
+                </c:pt>
+                <c:pt idx="78" formatCode="General">
+                  <c:v>6.45833333333333</c:v>
+                </c:pt>
+                <c:pt idx="79" formatCode="General">
+                  <c:v>6.54166666666666</c:v>
+                </c:pt>
+                <c:pt idx="80" formatCode="General">
+                  <c:v>6.625</c:v>
+                </c:pt>
+                <c:pt idx="81" formatCode="General">
+                  <c:v>6.70833333333333</c:v>
+                </c:pt>
+                <c:pt idx="82" formatCode="General">
+                  <c:v>6.79166666666666</c:v>
+                </c:pt>
+                <c:pt idx="83" formatCode="General">
+                  <c:v>6.875</c:v>
+                </c:pt>
+                <c:pt idx="84" formatCode="General">
+                  <c:v>6.95833333333333</c:v>
+                </c:pt>
+                <c:pt idx="85" formatCode="General">
+                  <c:v>7.04166666666666</c:v>
+                </c:pt>
+                <c:pt idx="86" formatCode="General">
+                  <c:v>7.125</c:v>
+                </c:pt>
+                <c:pt idx="87" formatCode="General">
+                  <c:v>7.20833333333333</c:v>
+                </c:pt>
+                <c:pt idx="88" formatCode="General">
+                  <c:v>7.29166666666666</c:v>
+                </c:pt>
+                <c:pt idx="89" formatCode="General">
+                  <c:v>7.375</c:v>
+                </c:pt>
+                <c:pt idx="90" formatCode="General">
+                  <c:v>7.45833333333333</c:v>
+                </c:pt>
+                <c:pt idx="91" formatCode="General">
+                  <c:v>7.54166666666666</c:v>
+                </c:pt>
+                <c:pt idx="92" formatCode="General">
+                  <c:v>7.625</c:v>
+                </c:pt>
+                <c:pt idx="93" formatCode="General">
+                  <c:v>7.70833333333333</c:v>
+                </c:pt>
+                <c:pt idx="94" formatCode="General">
+                  <c:v>7.79166666666666</c:v>
+                </c:pt>
+                <c:pt idx="95" formatCode="General">
+                  <c:v>7.875</c:v>
+                </c:pt>
+                <c:pt idx="96" formatCode="General">
+                  <c:v>7.95833333333333</c:v>
+                </c:pt>
+                <c:pt idx="97" formatCode="General">
+                  <c:v>8.04166666666666</c:v>
+                </c:pt>
+                <c:pt idx="98" formatCode="General">
+                  <c:v>8.125</c:v>
+                </c:pt>
+                <c:pt idx="99" formatCode="General">
+                  <c:v>8.20833333333333</c:v>
+                </c:pt>
+                <c:pt idx="100" formatCode="General">
+                  <c:v>8.29166666666666</c:v>
+                </c:pt>
+                <c:pt idx="101" formatCode="General">
+                  <c:v>8.375</c:v>
+                </c:pt>
+                <c:pt idx="102" formatCode="General">
+                  <c:v>8.45833333333333</c:v>
+                </c:pt>
+                <c:pt idx="103" formatCode="General">
+                  <c:v>8.54166666666666</c:v>
+                </c:pt>
+                <c:pt idx="104" formatCode="General">
+                  <c:v>8.625</c:v>
+                </c:pt>
+                <c:pt idx="105" formatCode="General">
+                  <c:v>8.70833333333333</c:v>
+                </c:pt>
+                <c:pt idx="106" formatCode="General">
+                  <c:v>8.79166666666666</c:v>
+                </c:pt>
+                <c:pt idx="107" formatCode="General">
+                  <c:v>8.875</c:v>
+                </c:pt>
+                <c:pt idx="108" formatCode="General">
+                  <c:v>8.95833333333333</c:v>
+                </c:pt>
+                <c:pt idx="109" formatCode="General">
+                  <c:v>9.04166666666666</c:v>
+                </c:pt>
+                <c:pt idx="110" formatCode="General">
+                  <c:v>9.125</c:v>
+                </c:pt>
+                <c:pt idx="111" formatCode="General">
+                  <c:v>9.20833333333333</c:v>
+                </c:pt>
+                <c:pt idx="112" formatCode="General">
+                  <c:v>9.29166666666666</c:v>
+                </c:pt>
+                <c:pt idx="113" formatCode="General">
+                  <c:v>9.375</c:v>
+                </c:pt>
+                <c:pt idx="114" formatCode="General">
+                  <c:v>9.45833333333333</c:v>
+                </c:pt>
+                <c:pt idx="115" formatCode="General">
+                  <c:v>9.54166666666666</c:v>
+                </c:pt>
+                <c:pt idx="116" formatCode="General">
+                  <c:v>9.625</c:v>
+                </c:pt>
+                <c:pt idx="117" formatCode="General">
+                  <c:v>9.70833333333333</c:v>
+                </c:pt>
+                <c:pt idx="118" formatCode="General">
+                  <c:v>9.79166666666666</c:v>
+                </c:pt>
+                <c:pt idx="119" formatCode="General">
+                  <c:v>9.875</c:v>
+                </c:pt>
+                <c:pt idx="120" formatCode="General">
+                  <c:v>9.95833333333333</c:v>
+                </c:pt>
+                <c:pt idx="121" formatCode="General">
+                  <c:v>10.0416666666666</c:v>
+                </c:pt>
+                <c:pt idx="122" formatCode="General">
+                  <c:v>10.125</c:v>
+                </c:pt>
+                <c:pt idx="123" formatCode="General">
+                  <c:v>10.2083333333333</c:v>
+                </c:pt>
+                <c:pt idx="124" formatCode="General">
+                  <c:v>10.2916666666666</c:v>
+                </c:pt>
+                <c:pt idx="125" formatCode="General">
+                  <c:v>10.375</c:v>
+                </c:pt>
+                <c:pt idx="126" formatCode="General">
+                  <c:v>10.4583333333333</c:v>
+                </c:pt>
+                <c:pt idx="127" formatCode="General">
+                  <c:v>10.5416666666666</c:v>
+                </c:pt>
+                <c:pt idx="128" formatCode="General">
+                  <c:v>10.625</c:v>
+                </c:pt>
+                <c:pt idx="129" formatCode="General">
+                  <c:v>10.7083333333333</c:v>
+                </c:pt>
+                <c:pt idx="130" formatCode="General">
+                  <c:v>10.7916666666666</c:v>
+                </c:pt>
+                <c:pt idx="131" formatCode="General">
+                  <c:v>10.875</c:v>
+                </c:pt>
+                <c:pt idx="132" formatCode="General">
+                  <c:v>10.9583333333333</c:v>
+                </c:pt>
+                <c:pt idx="133" formatCode="General">
+                  <c:v>11.0416666666666</c:v>
+                </c:pt>
+                <c:pt idx="134" formatCode="General">
+                  <c:v>11.125</c:v>
+                </c:pt>
+                <c:pt idx="135" formatCode="General">
+                  <c:v>11.2083333333333</c:v>
+                </c:pt>
+                <c:pt idx="136" formatCode="General">
+                  <c:v>11.2916666666666</c:v>
+                </c:pt>
+                <c:pt idx="137" formatCode="General">
+                  <c:v>11.375</c:v>
+                </c:pt>
+                <c:pt idx="138" formatCode="General">
+                  <c:v>11.4583333333333</c:v>
+                </c:pt>
+                <c:pt idx="139" formatCode="General">
+                  <c:v>11.5416666666666</c:v>
+                </c:pt>
+                <c:pt idx="140" formatCode="General">
+                  <c:v>11.625</c:v>
+                </c:pt>
+                <c:pt idx="141" formatCode="General">
+                  <c:v>11.7083333333333</c:v>
+                </c:pt>
+                <c:pt idx="142" formatCode="General">
+                  <c:v>11.7916666666666</c:v>
+                </c:pt>
+                <c:pt idx="143" formatCode="General">
+                  <c:v>11.875</c:v>
+                </c:pt>
+                <c:pt idx="144" formatCode="General">
+                  <c:v>11.9583333333333</c:v>
+                </c:pt>
+              </c:numCache>
+            </c:numRef>
+          </c:xVal>
+          <c:yVal>
+            <c:numRef>
+              <c:f>rdf_gaz_rare!$AH$3:$AH$158</c:f>
+              <c:numCache>
+                <c:formatCode>General</c:formatCode>
+                <c:ptCount val="156"/>
+                <c:pt idx="0">
+                  <c:v>0.0</c:v>
+                </c:pt>
+                <c:pt idx="1">
+                  <c:v>0.0</c:v>
+                </c:pt>
+                <c:pt idx="2">
+                  <c:v>0.0</c:v>
+                </c:pt>
+                <c:pt idx="3">
+                  <c:v>0.0</c:v>
+                </c:pt>
+                <c:pt idx="4">
+                  <c:v>0.0</c:v>
+                </c:pt>
+                <c:pt idx="5">
+                  <c:v>0.0</c:v>
+                </c:pt>
+                <c:pt idx="6">
+                  <c:v>0.0</c:v>
+                </c:pt>
+                <c:pt idx="7">
+                  <c:v>0.0</c:v>
+                </c:pt>
+                <c:pt idx="8">
+                  <c:v>0.0</c:v>
+                </c:pt>
+                <c:pt idx="9">
+                  <c:v>0.0</c:v>
+                </c:pt>
+                <c:pt idx="10">
+                  <c:v>0.0</c:v>
+                </c:pt>
+                <c:pt idx="11">
+                  <c:v>0.0</c:v>
+                </c:pt>
+                <c:pt idx="12">
+                  <c:v>0.0</c:v>
+                </c:pt>
+                <c:pt idx="13">
+                  <c:v>0.0</c:v>
+                </c:pt>
+                <c:pt idx="14">
+                  <c:v>0.0</c:v>
+                </c:pt>
+                <c:pt idx="15">
+                  <c:v>0.0</c:v>
+                </c:pt>
+                <c:pt idx="16">
+                  <c:v>0.0</c:v>
+                </c:pt>
+                <c:pt idx="17">
+                  <c:v>0.0</c:v>
+                </c:pt>
+                <c:pt idx="18">
+                  <c:v>0.0</c:v>
+                </c:pt>
+                <c:pt idx="19">
+                  <c:v>0.0</c:v>
+                </c:pt>
+                <c:pt idx="20">
+                  <c:v>0.0</c:v>
+                </c:pt>
+                <c:pt idx="21">
+                  <c:v>0.0</c:v>
+                </c:pt>
+                <c:pt idx="22">
+                  <c:v>0.0</c:v>
+                </c:pt>
+                <c:pt idx="23">
+                  <c:v>0.0</c:v>
+                </c:pt>
+                <c:pt idx="24">
+                  <c:v>0.0</c:v>
+                </c:pt>
+                <c:pt idx="25">
+                  <c:v>0.0</c:v>
+                </c:pt>
+                <c:pt idx="26">
+                  <c:v>0.0</c:v>
+                </c:pt>
+                <c:pt idx="27">
+                  <c:v>0.0</c:v>
+                </c:pt>
+                <c:pt idx="28">
+                  <c:v>0.0</c:v>
+                </c:pt>
+                <c:pt idx="29">
+                  <c:v>0.0</c:v>
+                </c:pt>
+                <c:pt idx="30">
+                  <c:v>0.0</c:v>
+                </c:pt>
+                <c:pt idx="31" formatCode="0.00E+00">
+                  <c:v>9.05126484998074E-9</c:v>
+                </c:pt>
+                <c:pt idx="32" formatCode="0.00E+00">
+                  <c:v>5.93992747722928E-6</c:v>
+                </c:pt>
+                <c:pt idx="33" formatCode="0.00E+00">
+                  <c:v>0.00174640991250624</c:v>
+                </c:pt>
+                <c:pt idx="34" formatCode="0.00E+00">
+                  <c:v>0.0256397012362811</c:v>
+                </c:pt>
+                <c:pt idx="35">
+                  <c:v>0.174928028214195</c:v>
+                </c:pt>
+                <c:pt idx="36">
+                  <c:v>0.537756460242555</c:v>
+                </c:pt>
+                <c:pt idx="37">
+                  <c:v>1.17941242038102</c:v>
+                </c:pt>
+                <c:pt idx="38">
+                  <c:v>1.90541489269676</c:v>
+                </c:pt>
+                <c:pt idx="39">
+                  <c:v>2.28262173681621</c:v>
+                </c:pt>
+                <c:pt idx="40">
+                  <c:v>2.42172309686439</c:v>
+                </c:pt>
+                <c:pt idx="41">
+                  <c:v>2.37478364096977</c:v>
+                </c:pt>
+                <c:pt idx="42">
+                  <c:v>2.19781328314</c:v>
+                </c:pt>
+                <c:pt idx="43">
+                  <c:v>1.9908507422673</c:v>
+                </c:pt>
+                <c:pt idx="44">
+                  <c:v>1.84458907957233</c:v>
+                </c:pt>
+                <c:pt idx="45">
+                  <c:v>1.62425315684771</c:v>
+                </c:pt>
+                <c:pt idx="46">
+                  <c:v>1.43832185564917</c:v>
+                </c:pt>
+                <c:pt idx="47">
+                  <c:v>1.30463951814882</c:v>
+                </c:pt>
+                <c:pt idx="48">
+                  <c:v>1.20196562982373</c:v>
+                </c:pt>
+                <c:pt idx="49">
+                  <c:v>1.0876863260212</c:v>
+                </c:pt>
+                <c:pt idx="50">
+                  <c:v>1.00580457223051</c:v>
+                </c:pt>
+                <c:pt idx="51">
+                  <c:v>0.938693140242582</c:v>
+                </c:pt>
+                <c:pt idx="52">
+                  <c:v>0.894288735455613</c:v>
+                </c:pt>
+                <c:pt idx="53">
+                  <c:v>0.852812159718458</c:v>
+                </c:pt>
+                <c:pt idx="54">
+                  <c:v>0.814084349772775</c:v>
+                </c:pt>
+                <c:pt idx="55">
+                  <c:v>0.791242856317178</c:v>
+                </c:pt>
+                <c:pt idx="56">
+                  <c:v>0.775083596145504</c:v>
+                </c:pt>
+                <c:pt idx="57">
+                  <c:v>0.767277496881776</c:v>
+                </c:pt>
+                <c:pt idx="58">
+                  <c:v>0.762894526292904</c:v>
+                </c:pt>
+                <c:pt idx="59">
+                  <c:v>0.76465670552421</c:v>
+                </c:pt>
+                <c:pt idx="60">
+                  <c:v>0.770341702428616</c:v>
+                </c:pt>
+                <c:pt idx="61">
+                  <c:v>0.779995489677459</c:v>
+                </c:pt>
+                <c:pt idx="62">
+                  <c:v>0.794129453573276</c:v>
+                </c:pt>
+                <c:pt idx="63">
+                  <c:v>0.81596892305994</c:v>
+                </c:pt>
+                <c:pt idx="64">
+                  <c:v>0.837660544744023</c:v>
+                </c:pt>
+                <c:pt idx="65">
+                  <c:v>0.867537454007326</c:v>
+                </c:pt>
+                <c:pt idx="66">
+                  <c:v>0.900018593951244</c:v>
+                </c:pt>
+                <c:pt idx="67">
+                  <c:v>0.934107373368319</c:v>
+                </c:pt>
+                <c:pt idx="68">
+                  <c:v>0.968349003017356</c:v>
+                </c:pt>
+                <c:pt idx="69">
+                  <c:v>1.00745355711337</c:v>
+                </c:pt>
+                <c:pt idx="70">
+                  <c:v>1.03954712306933</c:v>
+                </c:pt>
+                <c:pt idx="71">
+                  <c:v>1.06035201527251</c:v>
+                </c:pt>
+                <c:pt idx="72">
+                  <c:v>1.06980635032675</c:v>
+                </c:pt>
+                <c:pt idx="73">
+                  <c:v>1.07087985606874</c:v>
+                </c:pt>
+                <c:pt idx="74">
+                  <c:v>1.06528626041892</c:v>
+                </c:pt>
+                <c:pt idx="75">
+                  <c:v>1.05798800684183</c:v>
+                </c:pt>
+                <c:pt idx="76">
+                  <c:v>1.04995971927977</c:v>
+                </c:pt>
+                <c:pt idx="77">
+                  <c:v>1.04143767049396</c:v>
+                </c:pt>
+                <c:pt idx="78">
+                  <c:v>1.03476477478905</c:v>
+                </c:pt>
+                <c:pt idx="79">
+                  <c:v>1.02935073033702</c:v>
+                </c:pt>
+                <c:pt idx="80">
+                  <c:v>1.02636837910854</c:v>
+                </c:pt>
+                <c:pt idx="81">
+                  <c:v>1.02444475774465</c:v>
+                </c:pt>
+                <c:pt idx="82">
+                  <c:v>1.02398999375468</c:v>
+                </c:pt>
+                <c:pt idx="83">
+                  <c:v>1.02400959245385</c:v>
+                </c:pt>
+                <c:pt idx="84">
+                  <c:v>1.02467693996783</c:v>
+                </c:pt>
+                <c:pt idx="85">
+                  <c:v>1.02537429053281</c:v>
+                </c:pt>
+                <c:pt idx="86">
+                  <c:v>1.02588712654877</c:v>
+                </c:pt>
+                <c:pt idx="87">
+                  <c:v>1.02625596767962</c:v>
+                </c:pt>
+                <c:pt idx="88">
+                  <c:v>1.02570285512699</c:v>
+                </c:pt>
+                <c:pt idx="89">
+                  <c:v>1.02450517609896</c:v>
+                </c:pt>
+                <c:pt idx="90">
+                  <c:v>1.02232886430916</c:v>
+                </c:pt>
+                <c:pt idx="91">
+                  <c:v>1.0197156421405</c:v>
+                </c:pt>
+                <c:pt idx="92">
+                  <c:v>1.01648756649664</c:v>
+                </c:pt>
+                <c:pt idx="93">
+                  <c:v>1.01251177591933</c:v>
+                </c:pt>
+                <c:pt idx="94">
+                  <c:v>1.0076624873739</c:v>
+                </c:pt>
+                <c:pt idx="95">
+                  <c:v>1.0024317723536</c:v>
+                </c:pt>
+                <c:pt idx="96">
+                  <c:v>0.998085853252963</c:v>
+                </c:pt>
+                <c:pt idx="97">
+                  <c:v>0.99234263332576</c:v>
+                </c:pt>
+                <c:pt idx="98">
+                  <c:v>0.988248781344561</c:v>
+                </c:pt>
+                <c:pt idx="99">
+                  <c:v>0.984015946841617</c:v>
+                </c:pt>
+                <c:pt idx="100">
+                  <c:v>0.98064367663832</c:v>
+                </c:pt>
+                <c:pt idx="101">
+                  <c:v>0.977886886941449</c:v>
+                </c:pt>
+                <c:pt idx="102">
+                  <c:v>0.975728622878434</c:v>
+                </c:pt>
+                <c:pt idx="103">
+                  <c:v>0.974935306356327</c:v>
+                </c:pt>
+                <c:pt idx="104">
+                  <c:v>0.974721358583671</c:v>
+                </c:pt>
+                <c:pt idx="105">
+                  <c:v>0.975473699375292</c:v>
+                </c:pt>
+                <c:pt idx="106">
+                  <c:v>0.977040959281361</c:v>
+                </c:pt>
+                <c:pt idx="107">
+                  <c:v>0.979413948960631</c:v>
+                </c:pt>
+                <c:pt idx="108">
+                  <c:v>0.982165301297569</c:v>
+                </c:pt>
+                <c:pt idx="109">
+                  <c:v>0.9850012088598</c:v>
+                </c:pt>
+                <c:pt idx="110">
+                  <c:v>0.988912631570779</c:v>
+                </c:pt>
+                <c:pt idx="111">
+                  <c:v>0.992623475062711</c:v>
+                </c:pt>
+                <c:pt idx="112">
+                  <c:v>0.99610526383239</c:v>
+                </c:pt>
+                <c:pt idx="113">
+                  <c:v>0.999554427190975</c:v>
+                </c:pt>
+                <c:pt idx="114">
+                  <c:v>1.00289609905501</c:v>
+                </c:pt>
+                <c:pt idx="115">
+                  <c:v>1.00577142421825</c:v>
+                </c:pt>
+                <c:pt idx="116">
+                  <c:v>1.00800301580631</c:v>
+                </c:pt>
+                <c:pt idx="117">
+                  <c:v>1.00977598006917</c:v>
+                </c:pt>
+                <c:pt idx="118">
+                  <c:v>1.01131916723893</c:v>
+                </c:pt>
+                <c:pt idx="119">
+                  <c:v>1.01210586170736</c:v>
+                </c:pt>
+                <c:pt idx="120">
+                  <c:v>1.01241602673164</c:v>
+                </c:pt>
+                <c:pt idx="121">
+                  <c:v>1.01224854829124</c:v>
+                </c:pt>
+                <c:pt idx="122">
+                  <c:v>1.01166108086921</c:v>
+                </c:pt>
+                <c:pt idx="123">
+                  <c:v>1.01078262873004</c:v>
+                </c:pt>
+                <c:pt idx="124">
+                  <c:v>1.00963585168718</c:v>
+                </c:pt>
+                <c:pt idx="125">
+                  <c:v>1.00835097885712</c:v>
+                </c:pt>
+                <c:pt idx="126">
+                  <c:v>1.00660276511038</c:v>
+                </c:pt>
+                <c:pt idx="127">
+                  <c:v>1.00527082674093</c:v>
+                </c:pt>
+                <c:pt idx="128">
+                  <c:v>1.00351094880497</c:v>
+                </c:pt>
+                <c:pt idx="129">
+                  <c:v>1.00217776385584</c:v>
+                </c:pt>
+                <c:pt idx="130">
+                  <c:v>1.00078109975545</c:v>
+                </c:pt>
+                <c:pt idx="131">
+                  <c:v>0.99949407159313</c:v>
+                </c:pt>
+                <c:pt idx="132">
+                  <c:v>0.99859960368198</c:v>
+                </c:pt>
+                <c:pt idx="133">
+                  <c:v>0.997695937267779</c:v>
+                </c:pt>
+                <c:pt idx="134">
+                  <c:v>0.997053665361636</c:v>
+                </c:pt>
+                <c:pt idx="135">
+                  <c:v>0.996598997209157</c:v>
+                </c:pt>
+                <c:pt idx="136">
+                  <c:v>0.996407331770208</c:v>
+                </c:pt>
+                <c:pt idx="137">
+                  <c:v>0.996046283209561</c:v>
+                </c:pt>
+                <c:pt idx="138">
+                  <c:v>0.996176639935937</c:v>
+                </c:pt>
+                <c:pt idx="139">
+                  <c:v>0.996230602998291</c:v>
+                </c:pt>
+                <c:pt idx="140">
+                  <c:v>0.996497116679805</c:v>
+                </c:pt>
+                <c:pt idx="141">
+                  <c:v>0.996583737192062</c:v>
+                </c:pt>
+                <c:pt idx="142">
+                  <c:v>0.996893205237227</c:v>
+                </c:pt>
+                <c:pt idx="143">
+                  <c:v>0.997232763257523</c:v>
+                </c:pt>
+                <c:pt idx="144">
+                  <c:v>0.997567957819187</c:v>
                 </c:pt>
               </c:numCache>
             </c:numRef>
@@ -14386,7 +16196,7 @@
           <c:spPr>
             <a:ln w="19050" cmpd="sng">
               <a:solidFill>
-                <a:srgbClr val="FF0000"/>
+                <a:srgbClr val="800000"/>
               </a:solidFill>
               <a:prstDash val="dash"/>
             </a:ln>
@@ -15292,11 +17102,11 @@
           <c:showPercent val="0"/>
           <c:showBubbleSize val="0"/>
         </c:dLbls>
-        <c:axId val="-2137069176"/>
-        <c:axId val="-2137073240"/>
+        <c:axId val="-2074152888"/>
+        <c:axId val="-2074161000"/>
       </c:scatterChart>
       <c:valAx>
-        <c:axId val="-2137069176"/>
+        <c:axId val="-2074152888"/>
         <c:scaling>
           <c:orientation val="minMax"/>
           <c:max val="12.0"/>
@@ -15349,12 +17159,12 @@
             <a:endParaRPr lang="zh-CN"/>
           </a:p>
         </c:txPr>
-        <c:crossAx val="-2137073240"/>
+        <c:crossAx val="-2074161000"/>
         <c:crosses val="autoZero"/>
         <c:crossBetween val="midCat"/>
       </c:valAx>
       <c:valAx>
-        <c:axId val="-2137073240"/>
+        <c:axId val="-2074161000"/>
         <c:scaling>
           <c:orientation val="minMax"/>
           <c:max val="2.7"/>
@@ -15400,7 +17210,7 @@
             <a:endParaRPr lang="zh-CN"/>
           </a:p>
         </c:txPr>
-        <c:crossAx val="-2137069176"/>
+        <c:crossAx val="-2074152888"/>
         <c:crosses val="autoZero"/>
         <c:crossBetween val="midCat"/>
       </c:valAx>
@@ -15637,7 +17447,7 @@
           <a:p>
             <a:fld id="{6DE6D459-F7A0-EC4B-85DE-BCE0563EB64E}" type="datetimeFigureOut">
               <a:rPr kumimoji="1" lang="zh-CN" altLang="en-US" smtClean="0"/>
-              <a:t>28/11/16</a:t>
+              <a:t>08/12/16</a:t>
             </a:fld>
             <a:endParaRPr kumimoji="1" lang="zh-CN" altLang="en-US"/>
           </a:p>
@@ -15807,7 +17617,7 @@
           <a:p>
             <a:fld id="{6DE6D459-F7A0-EC4B-85DE-BCE0563EB64E}" type="datetimeFigureOut">
               <a:rPr kumimoji="1" lang="zh-CN" altLang="en-US" smtClean="0"/>
-              <a:t>28/11/16</a:t>
+              <a:t>08/12/16</a:t>
             </a:fld>
             <a:endParaRPr kumimoji="1" lang="zh-CN" altLang="en-US"/>
           </a:p>
@@ -15987,7 +17797,7 @@
           <a:p>
             <a:fld id="{6DE6D459-F7A0-EC4B-85DE-BCE0563EB64E}" type="datetimeFigureOut">
               <a:rPr kumimoji="1" lang="zh-CN" altLang="en-US" smtClean="0"/>
-              <a:t>28/11/16</a:t>
+              <a:t>08/12/16</a:t>
             </a:fld>
             <a:endParaRPr kumimoji="1" lang="zh-CN" altLang="en-US"/>
           </a:p>
@@ -16157,7 +17967,7 @@
           <a:p>
             <a:fld id="{6DE6D459-F7A0-EC4B-85DE-BCE0563EB64E}" type="datetimeFigureOut">
               <a:rPr kumimoji="1" lang="zh-CN" altLang="en-US" smtClean="0"/>
-              <a:t>28/11/16</a:t>
+              <a:t>08/12/16</a:t>
             </a:fld>
             <a:endParaRPr kumimoji="1" lang="zh-CN" altLang="en-US"/>
           </a:p>
@@ -16403,7 +18213,7 @@
           <a:p>
             <a:fld id="{6DE6D459-F7A0-EC4B-85DE-BCE0563EB64E}" type="datetimeFigureOut">
               <a:rPr kumimoji="1" lang="zh-CN" altLang="en-US" smtClean="0"/>
-              <a:t>28/11/16</a:t>
+              <a:t>08/12/16</a:t>
             </a:fld>
             <a:endParaRPr kumimoji="1" lang="zh-CN" altLang="en-US"/>
           </a:p>
@@ -16691,7 +18501,7 @@
           <a:p>
             <a:fld id="{6DE6D459-F7A0-EC4B-85DE-BCE0563EB64E}" type="datetimeFigureOut">
               <a:rPr kumimoji="1" lang="zh-CN" altLang="en-US" smtClean="0"/>
-              <a:t>28/11/16</a:t>
+              <a:t>08/12/16</a:t>
             </a:fld>
             <a:endParaRPr kumimoji="1" lang="zh-CN" altLang="en-US"/>
           </a:p>
@@ -17113,7 +18923,7 @@
           <a:p>
             <a:fld id="{6DE6D459-F7A0-EC4B-85DE-BCE0563EB64E}" type="datetimeFigureOut">
               <a:rPr kumimoji="1" lang="zh-CN" altLang="en-US" smtClean="0"/>
-              <a:t>28/11/16</a:t>
+              <a:t>08/12/16</a:t>
             </a:fld>
             <a:endParaRPr kumimoji="1" lang="zh-CN" altLang="en-US"/>
           </a:p>
@@ -17231,7 +19041,7 @@
           <a:p>
             <a:fld id="{6DE6D459-F7A0-EC4B-85DE-BCE0563EB64E}" type="datetimeFigureOut">
               <a:rPr kumimoji="1" lang="zh-CN" altLang="en-US" smtClean="0"/>
-              <a:t>28/11/16</a:t>
+              <a:t>08/12/16</a:t>
             </a:fld>
             <a:endParaRPr kumimoji="1" lang="zh-CN" altLang="en-US"/>
           </a:p>
@@ -17326,7 +19136,7 @@
           <a:p>
             <a:fld id="{6DE6D459-F7A0-EC4B-85DE-BCE0563EB64E}" type="datetimeFigureOut">
               <a:rPr kumimoji="1" lang="zh-CN" altLang="en-US" smtClean="0"/>
-              <a:t>28/11/16</a:t>
+              <a:t>08/12/16</a:t>
             </a:fld>
             <a:endParaRPr kumimoji="1" lang="zh-CN" altLang="en-US"/>
           </a:p>
@@ -17603,7 +19413,7 @@
           <a:p>
             <a:fld id="{6DE6D459-F7A0-EC4B-85DE-BCE0563EB64E}" type="datetimeFigureOut">
               <a:rPr kumimoji="1" lang="zh-CN" altLang="en-US" smtClean="0"/>
-              <a:t>28/11/16</a:t>
+              <a:t>08/12/16</a:t>
             </a:fld>
             <a:endParaRPr kumimoji="1" lang="zh-CN" altLang="en-US"/>
           </a:p>
@@ -17856,7 +19666,7 @@
           <a:p>
             <a:fld id="{6DE6D459-F7A0-EC4B-85DE-BCE0563EB64E}" type="datetimeFigureOut">
               <a:rPr kumimoji="1" lang="zh-CN" altLang="en-US" smtClean="0"/>
-              <a:t>28/11/16</a:t>
+              <a:t>08/12/16</a:t>
             </a:fld>
             <a:endParaRPr kumimoji="1" lang="zh-CN" altLang="en-US"/>
           </a:p>
@@ -18069,7 +19879,7 @@
           <a:p>
             <a:fld id="{6DE6D459-F7A0-EC4B-85DE-BCE0563EB64E}" type="datetimeFigureOut">
               <a:rPr kumimoji="1" lang="zh-CN" altLang="en-US" smtClean="0"/>
-              <a:t>28/11/16</a:t>
+              <a:t>08/12/16</a:t>
             </a:fld>
             <a:endParaRPr kumimoji="1" lang="zh-CN" altLang="en-US"/>
           </a:p>
@@ -18470,20 +20280,20 @@
       </p:graphicFrame>
       <p:graphicFrame>
         <p:nvGraphicFramePr>
-          <p:cNvPr id="5" name="图表 4"/>
+          <p:cNvPr id="7" name="图表 6"/>
           <p:cNvGraphicFramePr>
             <a:graphicFrameLocks/>
           </p:cNvGraphicFramePr>
           <p:nvPr>
             <p:extLst>
               <p:ext uri="{D42A27DB-BD31-4B8C-83A1-F6EECF244321}">
-                <p14:modId xmlns:p14="http://schemas.microsoft.com/office/powerpoint/2010/main" val="1036411571"/>
+                <p14:modId xmlns:p14="http://schemas.microsoft.com/office/powerpoint/2010/main" val="2077940193"/>
               </p:ext>
             </p:extLst>
           </p:nvPr>
         </p:nvGraphicFramePr>
         <p:xfrm>
-          <a:off x="0" y="3600000"/>
+          <a:off x="9126" y="3600000"/>
           <a:ext cx="4320000" cy="3600000"/>
         </p:xfrm>
         <a:graphic>
@@ -18494,20 +20304,20 @@
       </p:graphicFrame>
       <p:graphicFrame>
         <p:nvGraphicFramePr>
-          <p:cNvPr id="6" name="图表 5"/>
+          <p:cNvPr id="8" name="图表 7"/>
           <p:cNvGraphicFramePr>
             <a:graphicFrameLocks/>
           </p:cNvGraphicFramePr>
           <p:nvPr>
             <p:extLst>
               <p:ext uri="{D42A27DB-BD31-4B8C-83A1-F6EECF244321}">
-                <p14:modId xmlns:p14="http://schemas.microsoft.com/office/powerpoint/2010/main" val="3404881237"/>
+                <p14:modId xmlns:p14="http://schemas.microsoft.com/office/powerpoint/2010/main" val="3854056511"/>
               </p:ext>
             </p:extLst>
           </p:nvPr>
         </p:nvGraphicFramePr>
         <p:xfrm>
-          <a:off x="4320000" y="3605663"/>
+          <a:off x="4324563" y="3600000"/>
           <a:ext cx="4320000" cy="3600000"/>
         </p:xfrm>
         <a:graphic>
